--- a/RACE CAPSTONE PROJECT1/TradingAnalytics_Capstone1_Metrics .pptx
+++ b/RACE CAPSTONE PROJECT1/TradingAnalytics_Capstone1_Metrics .pptx
@@ -27,19 +27,19 @@
   <p:notesSz cx="6858000" cy="9144000"/>
   <p:embeddedFontLst>
     <p:embeddedFont>
-      <p:font typeface="Roboto Slab" charset="0"/>
-      <p:regular r:id="rId17"/>
-      <p:bold r:id="rId18"/>
+      <p:font typeface="Arial Black" panose="020B0A04020102020204" pitchFamily="34" charset="0"/>
+      <p:bold r:id="rId17"/>
     </p:embeddedFont>
     <p:embeddedFont>
-      <p:font typeface="Calibri" pitchFamily="34" charset="0"/>
-      <p:regular r:id="rId19"/>
-      <p:bold r:id="rId20"/>
-      <p:italic r:id="rId21"/>
-      <p:boldItalic r:id="rId22"/>
+      <p:font typeface="Calibri" panose="020F0502020204030204" pitchFamily="34" charset="0"/>
+      <p:regular r:id="rId18"/>
+      <p:bold r:id="rId19"/>
+      <p:italic r:id="rId20"/>
+      <p:boldItalic r:id="rId21"/>
     </p:embeddedFont>
     <p:embeddedFont>
-      <p:font typeface="Arial Black" pitchFamily="34" charset="0"/>
+      <p:font typeface="Roboto Slab" panose="020B0604020202020204" charset="0"/>
+      <p:regular r:id="rId22"/>
       <p:bold r:id="rId23"/>
     </p:embeddedFont>
   </p:embeddedFontLst>
@@ -140,7 +140,18 @@
   </p:defaultTextStyle>
   <p:extLst>
     <p:ext uri="{EFAFB233-063F-42B5-8137-9DF3F51BA10A}">
-      <p15:sldGuideLst xmlns="" xmlns:p15="http://schemas.microsoft.com/office/powerpoint/2012/main"/>
+      <p15:sldGuideLst xmlns:p15="http://schemas.microsoft.com/office/powerpoint/2012/main">
+        <p15:guide id="1" orient="horz" pos="2160">
+          <p15:clr>
+            <a:srgbClr val="A4A3A4"/>
+          </p15:clr>
+        </p15:guide>
+        <p15:guide id="2" pos="3840">
+          <p15:clr>
+            <a:srgbClr val="A4A3A4"/>
+          </p15:clr>
+        </p15:guide>
+      </p15:sldGuideLst>
     </p:ext>
   </p:extLst>
 </p:presentation>
@@ -229,7 +240,7 @@
             <a:fld id="{48A04D3E-AB25-4865-88B1-E5CEDFA4F726}" type="datetimeFigureOut">
               <a:rPr lang="en-IN" smtClean="0"/>
               <a:pPr/>
-              <a:t>13-07-2022</a:t>
+              <a:t>26-08-2022</a:t>
             </a:fld>
             <a:endParaRPr lang="en-IN" dirty="0"/>
           </a:p>
@@ -293,35 +304,35 @@
           <a:p>
             <a:pPr lvl="0"/>
             <a:r>
-              <a:rPr lang="en-US" smtClean="0"/>
+              <a:rPr lang="en-US"/>
               <a:t>Edit Master text styles</a:t>
             </a:r>
           </a:p>
           <a:p>
             <a:pPr lvl="1"/>
             <a:r>
-              <a:rPr lang="en-US" smtClean="0"/>
+              <a:rPr lang="en-US"/>
               <a:t>Second level</a:t>
             </a:r>
           </a:p>
           <a:p>
             <a:pPr lvl="2"/>
             <a:r>
-              <a:rPr lang="en-US" smtClean="0"/>
+              <a:rPr lang="en-US"/>
               <a:t>Third level</a:t>
             </a:r>
           </a:p>
           <a:p>
             <a:pPr lvl="3"/>
             <a:r>
-              <a:rPr lang="en-US" smtClean="0"/>
+              <a:rPr lang="en-US"/>
               <a:t>Fourth level</a:t>
             </a:r>
           </a:p>
           <a:p>
             <a:pPr lvl="4"/>
             <a:r>
-              <a:rPr lang="en-US" smtClean="0"/>
+              <a:rPr lang="en-US"/>
               <a:t>Fifth level</a:t>
             </a:r>
             <a:endParaRPr lang="en-IN"/>
@@ -398,7 +409,7 @@
     </p:spTree>
     <p:extLst>
       <p:ext uri="{BB962C8B-B14F-4D97-AF65-F5344CB8AC3E}">
-        <p14:creationId xmlns:p14="http://schemas.microsoft.com/office/powerpoint/2010/main" xmlns="" val="1819341143"/>
+        <p14:creationId xmlns:p14="http://schemas.microsoft.com/office/powerpoint/2010/main" val="1819341143"/>
       </p:ext>
     </p:extLst>
   </p:cSld>
@@ -804,10 +815,9 @@
           </a:lstStyle>
           <a:p>
             <a:r>
-              <a:rPr lang="en-US" smtClean="0"/>
+              <a:rPr lang="en-US"/>
               <a:t>Click to edit Master title style</a:t>
             </a:r>
-            <a:endParaRPr lang="en-US"/>
           </a:p>
         </p:txBody>
       </p:sp>
@@ -869,10 +879,9 @@
           </a:lstStyle>
           <a:p>
             <a:r>
-              <a:rPr lang="en-US" smtClean="0"/>
+              <a:rPr lang="en-US"/>
               <a:t>Click to edit Master subtitle style</a:t>
             </a:r>
-            <a:endParaRPr lang="en-US"/>
           </a:p>
         </p:txBody>
       </p:sp>
@@ -888,7 +897,7 @@
           <a:blip r:embed="rId2" cstate="print">
             <a:extLst>
               <a:ext uri="{28A0092B-C50C-407E-A947-70E740481C1C}">
-                <a14:useLocalDpi xmlns:a14="http://schemas.microsoft.com/office/drawing/2010/main" xmlns="" val="0"/>
+                <a14:useLocalDpi xmlns:a14="http://schemas.microsoft.com/office/drawing/2010/main" val="0"/>
               </a:ext>
             </a:extLst>
           </a:blip>
@@ -917,7 +926,7 @@
           <a:blip r:embed="rId3" cstate="print">
             <a:extLst>
               <a:ext uri="{28A0092B-C50C-407E-A947-70E740481C1C}">
-                <a14:useLocalDpi xmlns:a14="http://schemas.microsoft.com/office/drawing/2010/main" xmlns="" val="0"/>
+                <a14:useLocalDpi xmlns:a14="http://schemas.microsoft.com/office/drawing/2010/main" val="0"/>
               </a:ext>
             </a:extLst>
           </a:blip>
@@ -938,7 +947,7 @@
     </p:spTree>
     <p:extLst>
       <p:ext uri="{BB962C8B-B14F-4D97-AF65-F5344CB8AC3E}">
-        <p14:creationId xmlns:p14="http://schemas.microsoft.com/office/powerpoint/2010/main" xmlns="" val="722703487"/>
+        <p14:creationId xmlns:p14="http://schemas.microsoft.com/office/powerpoint/2010/main" val="722703487"/>
       </p:ext>
     </p:extLst>
   </p:cSld>
@@ -977,7 +986,7 @@
           <a:blip r:embed="rId2">
             <a:extLst>
               <a:ext uri="{28A0092B-C50C-407E-A947-70E740481C1C}">
-                <a14:useLocalDpi xmlns:a14="http://schemas.microsoft.com/office/drawing/2010/main" xmlns="" val="0"/>
+                <a14:useLocalDpi xmlns:a14="http://schemas.microsoft.com/office/drawing/2010/main" val="0"/>
               </a:ext>
             </a:extLst>
           </a:blip>
@@ -1020,10 +1029,9 @@
           </a:lstStyle>
           <a:p>
             <a:r>
-              <a:rPr lang="en-US" smtClean="0"/>
+              <a:rPr lang="en-US"/>
               <a:t>Click to edit Master title style</a:t>
             </a:r>
-            <a:endParaRPr lang="en-US"/>
           </a:p>
         </p:txBody>
       </p:sp>
@@ -1077,38 +1085,37 @@
           <a:p>
             <a:pPr lvl="0"/>
             <a:r>
-              <a:rPr lang="en-US" smtClean="0"/>
+              <a:rPr lang="en-US"/>
               <a:t>Click to edit Master text styles</a:t>
             </a:r>
           </a:p>
           <a:p>
             <a:pPr lvl="1"/>
             <a:r>
-              <a:rPr lang="en-US" smtClean="0"/>
+              <a:rPr lang="en-US"/>
               <a:t>Second level</a:t>
             </a:r>
           </a:p>
           <a:p>
             <a:pPr lvl="2"/>
             <a:r>
-              <a:rPr lang="en-US" smtClean="0"/>
+              <a:rPr lang="en-US"/>
               <a:t>Third level</a:t>
             </a:r>
           </a:p>
           <a:p>
             <a:pPr lvl="3"/>
             <a:r>
-              <a:rPr lang="en-US" smtClean="0"/>
+              <a:rPr lang="en-US"/>
               <a:t>Fourth level</a:t>
             </a:r>
           </a:p>
           <a:p>
             <a:pPr lvl="4"/>
             <a:r>
-              <a:rPr lang="en-US" smtClean="0"/>
+              <a:rPr lang="en-US"/>
               <a:t>Fifth level</a:t>
             </a:r>
-            <a:endParaRPr lang="en-US"/>
           </a:p>
         </p:txBody>
       </p:sp>
@@ -1171,7 +1178,7 @@
           <a:p>
             <a:pPr lvl="0"/>
             <a:r>
-              <a:rPr lang="en-US" smtClean="0"/>
+              <a:rPr lang="en-US"/>
               <a:t>Click to edit Master text styles</a:t>
             </a:r>
           </a:p>
@@ -1195,7 +1202,7 @@
             <a:fld id="{19317672-D273-40A8-9069-31B0837D5743}" type="datetimeFigureOut">
               <a:rPr lang="en-US" smtClean="0"/>
               <a:pPr/>
-              <a:t>7/13/2022</a:t>
+              <a:t>8/26/2022</a:t>
             </a:fld>
             <a:endParaRPr lang="en-US" dirty="0"/>
           </a:p>
@@ -1247,7 +1254,7 @@
     </p:spTree>
     <p:extLst>
       <p:ext uri="{BB962C8B-B14F-4D97-AF65-F5344CB8AC3E}">
-        <p14:creationId xmlns:p14="http://schemas.microsoft.com/office/powerpoint/2010/main" xmlns="" val="3371232843"/>
+        <p14:creationId xmlns:p14="http://schemas.microsoft.com/office/powerpoint/2010/main" val="3371232843"/>
       </p:ext>
     </p:extLst>
   </p:cSld>
@@ -1299,10 +1306,9 @@
           </a:lstStyle>
           <a:p>
             <a:r>
-              <a:rPr lang="en-US" smtClean="0"/>
+              <a:rPr lang="en-US"/>
               <a:t>Click to edit Master title style</a:t>
             </a:r>
-            <a:endParaRPr lang="en-US"/>
           </a:p>
         </p:txBody>
       </p:sp>
@@ -1426,7 +1432,7 @@
           <a:p>
             <a:pPr lvl="0"/>
             <a:r>
-              <a:rPr lang="en-US" smtClean="0"/>
+              <a:rPr lang="en-US"/>
               <a:t>Click to edit Master text styles</a:t>
             </a:r>
           </a:p>
@@ -1450,7 +1456,7 @@
             <a:fld id="{19317672-D273-40A8-9069-31B0837D5743}" type="datetimeFigureOut">
               <a:rPr lang="en-US" smtClean="0"/>
               <a:pPr/>
-              <a:t>7/13/2022</a:t>
+              <a:t>8/26/2022</a:t>
             </a:fld>
             <a:endParaRPr lang="en-US" dirty="0"/>
           </a:p>
@@ -1502,7 +1508,7 @@
     </p:spTree>
     <p:extLst>
       <p:ext uri="{BB962C8B-B14F-4D97-AF65-F5344CB8AC3E}">
-        <p14:creationId xmlns:p14="http://schemas.microsoft.com/office/powerpoint/2010/main" xmlns="" val="4232552203"/>
+        <p14:creationId xmlns:p14="http://schemas.microsoft.com/office/powerpoint/2010/main" val="4232552203"/>
       </p:ext>
     </p:extLst>
   </p:cSld>
@@ -1545,10 +1551,9 @@
           <a:lstStyle/>
           <a:p>
             <a:r>
-              <a:rPr lang="en-US" smtClean="0"/>
+              <a:rPr lang="en-US"/>
               <a:t>Click to edit Master title style</a:t>
             </a:r>
-            <a:endParaRPr lang="en-US"/>
           </a:p>
         </p:txBody>
       </p:sp>
@@ -1569,38 +1574,37 @@
           <a:p>
             <a:pPr lvl="0"/>
             <a:r>
-              <a:rPr lang="en-US" smtClean="0"/>
+              <a:rPr lang="en-US"/>
               <a:t>Click to edit Master text styles</a:t>
             </a:r>
           </a:p>
           <a:p>
             <a:pPr lvl="1"/>
             <a:r>
-              <a:rPr lang="en-US" smtClean="0"/>
+              <a:rPr lang="en-US"/>
               <a:t>Second level</a:t>
             </a:r>
           </a:p>
           <a:p>
             <a:pPr lvl="2"/>
             <a:r>
-              <a:rPr lang="en-US" smtClean="0"/>
+              <a:rPr lang="en-US"/>
               <a:t>Third level</a:t>
             </a:r>
           </a:p>
           <a:p>
             <a:pPr lvl="3"/>
             <a:r>
-              <a:rPr lang="en-US" smtClean="0"/>
+              <a:rPr lang="en-US"/>
               <a:t>Fourth level</a:t>
             </a:r>
           </a:p>
           <a:p>
             <a:pPr lvl="4"/>
             <a:r>
-              <a:rPr lang="en-US" smtClean="0"/>
+              <a:rPr lang="en-US"/>
               <a:t>Fifth level</a:t>
             </a:r>
-            <a:endParaRPr lang="en-US"/>
           </a:p>
         </p:txBody>
       </p:sp>
@@ -1622,7 +1626,7 @@
             <a:fld id="{19317672-D273-40A8-9069-31B0837D5743}" type="datetimeFigureOut">
               <a:rPr lang="en-US" smtClean="0"/>
               <a:pPr/>
-              <a:t>7/13/2022</a:t>
+              <a:t>8/26/2022</a:t>
             </a:fld>
             <a:endParaRPr lang="en-US" dirty="0"/>
           </a:p>
@@ -1674,7 +1678,7 @@
     </p:spTree>
     <p:extLst>
       <p:ext uri="{BB962C8B-B14F-4D97-AF65-F5344CB8AC3E}">
-        <p14:creationId xmlns:p14="http://schemas.microsoft.com/office/powerpoint/2010/main" xmlns="" val="2205557583"/>
+        <p14:creationId xmlns:p14="http://schemas.microsoft.com/office/powerpoint/2010/main" val="2205557583"/>
       </p:ext>
     </p:extLst>
   </p:cSld>
@@ -1722,10 +1726,9 @@
           <a:lstStyle/>
           <a:p>
             <a:r>
-              <a:rPr lang="en-US" smtClean="0"/>
+              <a:rPr lang="en-US"/>
               <a:t>Click to edit Master title style</a:t>
             </a:r>
-            <a:endParaRPr lang="en-US"/>
           </a:p>
         </p:txBody>
       </p:sp>
@@ -1751,38 +1754,37 @@
           <a:p>
             <a:pPr lvl="0"/>
             <a:r>
-              <a:rPr lang="en-US" smtClean="0"/>
+              <a:rPr lang="en-US"/>
               <a:t>Click to edit Master text styles</a:t>
             </a:r>
           </a:p>
           <a:p>
             <a:pPr lvl="1"/>
             <a:r>
-              <a:rPr lang="en-US" smtClean="0"/>
+              <a:rPr lang="en-US"/>
               <a:t>Second level</a:t>
             </a:r>
           </a:p>
           <a:p>
             <a:pPr lvl="2"/>
             <a:r>
-              <a:rPr lang="en-US" smtClean="0"/>
+              <a:rPr lang="en-US"/>
               <a:t>Third level</a:t>
             </a:r>
           </a:p>
           <a:p>
             <a:pPr lvl="3"/>
             <a:r>
-              <a:rPr lang="en-US" smtClean="0"/>
+              <a:rPr lang="en-US"/>
               <a:t>Fourth level</a:t>
             </a:r>
           </a:p>
           <a:p>
             <a:pPr lvl="4"/>
             <a:r>
-              <a:rPr lang="en-US" smtClean="0"/>
+              <a:rPr lang="en-US"/>
               <a:t>Fifth level</a:t>
             </a:r>
-            <a:endParaRPr lang="en-US"/>
           </a:p>
         </p:txBody>
       </p:sp>
@@ -1804,7 +1806,7 @@
             <a:fld id="{19317672-D273-40A8-9069-31B0837D5743}" type="datetimeFigureOut">
               <a:rPr lang="en-US" smtClean="0"/>
               <a:pPr/>
-              <a:t>7/13/2022</a:t>
+              <a:t>8/26/2022</a:t>
             </a:fld>
             <a:endParaRPr lang="en-US" dirty="0"/>
           </a:p>
@@ -1856,7 +1858,7 @@
     </p:spTree>
     <p:extLst>
       <p:ext uri="{BB962C8B-B14F-4D97-AF65-F5344CB8AC3E}">
-        <p14:creationId xmlns:p14="http://schemas.microsoft.com/office/powerpoint/2010/main" xmlns="" val="4062721131"/>
+        <p14:creationId xmlns:p14="http://schemas.microsoft.com/office/powerpoint/2010/main" val="4062721131"/>
       </p:ext>
     </p:extLst>
   </p:cSld>
@@ -2037,17 +2039,16 @@
           </a:lstStyle>
           <a:p>
             <a:r>
-              <a:rPr lang="en-US" dirty="0" smtClean="0"/>
+              <a:rPr lang="en-US" dirty="0"/>
               <a:t>Click to edit Master title style</a:t>
             </a:r>
-            <a:endParaRPr lang="en-US" dirty="0"/>
           </a:p>
         </p:txBody>
       </p:sp>
     </p:spTree>
     <p:extLst>
       <p:ext uri="{BB962C8B-B14F-4D97-AF65-F5344CB8AC3E}">
-        <p14:creationId xmlns:p14="http://schemas.microsoft.com/office/powerpoint/2010/main" xmlns="" val="3417215480"/>
+        <p14:creationId xmlns:p14="http://schemas.microsoft.com/office/powerpoint/2010/main" val="3417215480"/>
       </p:ext>
     </p:extLst>
   </p:cSld>
@@ -2132,7 +2133,7 @@
           <a:blip r:embed="rId2" cstate="print">
             <a:extLst>
               <a:ext uri="{28A0092B-C50C-407E-A947-70E740481C1C}">
-                <a14:useLocalDpi xmlns:a14="http://schemas.microsoft.com/office/drawing/2010/main" xmlns="" val="0"/>
+                <a14:useLocalDpi xmlns:a14="http://schemas.microsoft.com/office/drawing/2010/main" val="0"/>
               </a:ext>
             </a:extLst>
           </a:blip>
@@ -2212,10 +2213,9 @@
           </a:lstStyle>
           <a:p>
             <a:r>
-              <a:rPr lang="en-US" dirty="0" smtClean="0"/>
+              <a:rPr lang="en-US" dirty="0"/>
               <a:t>Click to edit Master title style</a:t>
             </a:r>
-            <a:endParaRPr lang="en-US" dirty="0"/>
           </a:p>
         </p:txBody>
       </p:sp>
@@ -2308,25 +2308,20 @@
           <a:p>
             <a:pPr algn="r"/>
             <a:r>
-              <a:rPr lang="en-IN" sz="1200" b="0" dirty="0" smtClean="0">
+              <a:rPr lang="en-IN" sz="1200" b="0" dirty="0">
                 <a:solidFill>
                   <a:srgbClr val="595959"/>
                 </a:solidFill>
               </a:rPr>
               <a:t>REVA Academy for Corporate Excellence (RACE)</a:t>
             </a:r>
-            <a:endParaRPr lang="en-IN" sz="1200" b="0" dirty="0">
-              <a:solidFill>
-                <a:srgbClr val="595959"/>
-              </a:solidFill>
-            </a:endParaRPr>
           </a:p>
         </p:txBody>
       </p:sp>
     </p:spTree>
     <p:extLst>
       <p:ext uri="{BB962C8B-B14F-4D97-AF65-F5344CB8AC3E}">
-        <p14:creationId xmlns:p14="http://schemas.microsoft.com/office/powerpoint/2010/main" xmlns="" val="1783210247"/>
+        <p14:creationId xmlns:p14="http://schemas.microsoft.com/office/powerpoint/2010/main" val="1783210247"/>
       </p:ext>
     </p:extLst>
   </p:cSld>
@@ -2455,7 +2450,7 @@
     </p:spTree>
     <p:extLst>
       <p:ext uri="{BB962C8B-B14F-4D97-AF65-F5344CB8AC3E}">
-        <p14:creationId xmlns:p14="http://schemas.microsoft.com/office/powerpoint/2010/main" xmlns="" val="20262754"/>
+        <p14:creationId xmlns:p14="http://schemas.microsoft.com/office/powerpoint/2010/main" val="20262754"/>
       </p:ext>
     </p:extLst>
   </p:cSld>
@@ -2593,7 +2588,7 @@
           <a:blip r:embed="rId2">
             <a:extLst>
               <a:ext uri="{28A0092B-C50C-407E-A947-70E740481C1C}">
-                <a14:useLocalDpi xmlns:a14="http://schemas.microsoft.com/office/drawing/2010/main" xmlns="" val="0"/>
+                <a14:useLocalDpi xmlns:a14="http://schemas.microsoft.com/office/drawing/2010/main" val="0"/>
               </a:ext>
             </a:extLst>
           </a:blip>
@@ -2613,7 +2608,7 @@
     </p:spTree>
     <p:extLst>
       <p:ext uri="{BB962C8B-B14F-4D97-AF65-F5344CB8AC3E}">
-        <p14:creationId xmlns:p14="http://schemas.microsoft.com/office/powerpoint/2010/main" xmlns="" val="1454244648"/>
+        <p14:creationId xmlns:p14="http://schemas.microsoft.com/office/powerpoint/2010/main" val="1454244648"/>
       </p:ext>
     </p:extLst>
   </p:cSld>
@@ -2665,10 +2660,9 @@
           </a:lstStyle>
           <a:p>
             <a:r>
-              <a:rPr lang="en-US" smtClean="0"/>
+              <a:rPr lang="en-US"/>
               <a:t>Click to edit Master title style</a:t>
             </a:r>
-            <a:endParaRPr lang="en-US"/>
           </a:p>
         </p:txBody>
       </p:sp>
@@ -2785,7 +2779,7 @@
           <a:p>
             <a:pPr lvl="0"/>
             <a:r>
-              <a:rPr lang="en-US" smtClean="0"/>
+              <a:rPr lang="en-US"/>
               <a:t>Click to edit Master text styles</a:t>
             </a:r>
           </a:p>
@@ -2809,7 +2803,7 @@
             <a:fld id="{19317672-D273-40A8-9069-31B0837D5743}" type="datetimeFigureOut">
               <a:rPr lang="en-US" smtClean="0"/>
               <a:pPr/>
-              <a:t>7/13/2022</a:t>
+              <a:t>8/26/2022</a:t>
             </a:fld>
             <a:endParaRPr lang="en-US" dirty="0"/>
           </a:p>
@@ -2861,7 +2855,7 @@
     </p:spTree>
     <p:extLst>
       <p:ext uri="{BB962C8B-B14F-4D97-AF65-F5344CB8AC3E}">
-        <p14:creationId xmlns:p14="http://schemas.microsoft.com/office/powerpoint/2010/main" xmlns="" val="306047207"/>
+        <p14:creationId xmlns:p14="http://schemas.microsoft.com/office/powerpoint/2010/main" val="306047207"/>
       </p:ext>
     </p:extLst>
   </p:cSld>
@@ -2904,10 +2898,9 @@
           <a:lstStyle/>
           <a:p>
             <a:r>
-              <a:rPr lang="en-US" dirty="0" smtClean="0"/>
+              <a:rPr lang="en-US" dirty="0"/>
               <a:t>Click to edit Master title style</a:t>
             </a:r>
-            <a:endParaRPr lang="en-US" dirty="0"/>
           </a:p>
         </p:txBody>
       </p:sp>
@@ -2933,38 +2926,37 @@
           <a:p>
             <a:pPr lvl="0"/>
             <a:r>
-              <a:rPr lang="en-US" smtClean="0"/>
+              <a:rPr lang="en-US"/>
               <a:t>Click to edit Master text styles</a:t>
             </a:r>
           </a:p>
           <a:p>
             <a:pPr lvl="1"/>
             <a:r>
-              <a:rPr lang="en-US" smtClean="0"/>
+              <a:rPr lang="en-US"/>
               <a:t>Second level</a:t>
             </a:r>
           </a:p>
           <a:p>
             <a:pPr lvl="2"/>
             <a:r>
-              <a:rPr lang="en-US" smtClean="0"/>
+              <a:rPr lang="en-US"/>
               <a:t>Third level</a:t>
             </a:r>
           </a:p>
           <a:p>
             <a:pPr lvl="3"/>
             <a:r>
-              <a:rPr lang="en-US" smtClean="0"/>
+              <a:rPr lang="en-US"/>
               <a:t>Fourth level</a:t>
             </a:r>
           </a:p>
           <a:p>
             <a:pPr lvl="4"/>
             <a:r>
-              <a:rPr lang="en-US" smtClean="0"/>
+              <a:rPr lang="en-US"/>
               <a:t>Fifth level</a:t>
             </a:r>
-            <a:endParaRPr lang="en-US"/>
           </a:p>
         </p:txBody>
       </p:sp>
@@ -2990,38 +2982,37 @@
           <a:p>
             <a:pPr lvl="0"/>
             <a:r>
-              <a:rPr lang="en-US" smtClean="0"/>
+              <a:rPr lang="en-US"/>
               <a:t>Click to edit Master text styles</a:t>
             </a:r>
           </a:p>
           <a:p>
             <a:pPr lvl="1"/>
             <a:r>
-              <a:rPr lang="en-US" smtClean="0"/>
+              <a:rPr lang="en-US"/>
               <a:t>Second level</a:t>
             </a:r>
           </a:p>
           <a:p>
             <a:pPr lvl="2"/>
             <a:r>
-              <a:rPr lang="en-US" smtClean="0"/>
+              <a:rPr lang="en-US"/>
               <a:t>Third level</a:t>
             </a:r>
           </a:p>
           <a:p>
             <a:pPr lvl="3"/>
             <a:r>
-              <a:rPr lang="en-US" smtClean="0"/>
+              <a:rPr lang="en-US"/>
               <a:t>Fourth level</a:t>
             </a:r>
           </a:p>
           <a:p>
             <a:pPr lvl="4"/>
             <a:r>
-              <a:rPr lang="en-US" smtClean="0"/>
+              <a:rPr lang="en-US"/>
               <a:t>Fifth level</a:t>
             </a:r>
-            <a:endParaRPr lang="en-US"/>
           </a:p>
         </p:txBody>
       </p:sp>
@@ -3043,7 +3034,7 @@
             <a:fld id="{19317672-D273-40A8-9069-31B0837D5743}" type="datetimeFigureOut">
               <a:rPr lang="en-US" smtClean="0"/>
               <a:pPr/>
-              <a:t>7/13/2022</a:t>
+              <a:t>8/26/2022</a:t>
             </a:fld>
             <a:endParaRPr lang="en-US" dirty="0"/>
           </a:p>
@@ -3095,7 +3086,7 @@
     </p:spTree>
     <p:extLst>
       <p:ext uri="{BB962C8B-B14F-4D97-AF65-F5344CB8AC3E}">
-        <p14:creationId xmlns:p14="http://schemas.microsoft.com/office/powerpoint/2010/main" xmlns="" val="3189455762"/>
+        <p14:creationId xmlns:p14="http://schemas.microsoft.com/office/powerpoint/2010/main" val="3189455762"/>
       </p:ext>
     </p:extLst>
   </p:cSld>
@@ -3134,7 +3125,7 @@
           <a:blip r:embed="rId2">
             <a:extLst>
               <a:ext uri="{28A0092B-C50C-407E-A947-70E740481C1C}">
-                <a14:useLocalDpi xmlns:a14="http://schemas.microsoft.com/office/drawing/2010/main" xmlns="" val="0"/>
+                <a14:useLocalDpi xmlns:a14="http://schemas.microsoft.com/office/drawing/2010/main" val="0"/>
               </a:ext>
             </a:extLst>
           </a:blip>
@@ -3173,10 +3164,9 @@
           <a:lstStyle/>
           <a:p>
             <a:r>
-              <a:rPr lang="en-US" smtClean="0"/>
+              <a:rPr lang="en-US"/>
               <a:t>Click to edit Master title style</a:t>
             </a:r>
-            <a:endParaRPr lang="en-US"/>
           </a:p>
         </p:txBody>
       </p:sp>
@@ -3239,7 +3229,7 @@
           <a:p>
             <a:pPr lvl="0"/>
             <a:r>
-              <a:rPr lang="en-US" smtClean="0"/>
+              <a:rPr lang="en-US"/>
               <a:t>Click to edit Master text styles</a:t>
             </a:r>
           </a:p>
@@ -3267,38 +3257,37 @@
           <a:p>
             <a:pPr lvl="0"/>
             <a:r>
-              <a:rPr lang="en-US" smtClean="0"/>
+              <a:rPr lang="en-US"/>
               <a:t>Click to edit Master text styles</a:t>
             </a:r>
           </a:p>
           <a:p>
             <a:pPr lvl="1"/>
             <a:r>
-              <a:rPr lang="en-US" smtClean="0"/>
+              <a:rPr lang="en-US"/>
               <a:t>Second level</a:t>
             </a:r>
           </a:p>
           <a:p>
             <a:pPr lvl="2"/>
             <a:r>
-              <a:rPr lang="en-US" smtClean="0"/>
+              <a:rPr lang="en-US"/>
               <a:t>Third level</a:t>
             </a:r>
           </a:p>
           <a:p>
             <a:pPr lvl="3"/>
             <a:r>
-              <a:rPr lang="en-US" smtClean="0"/>
+              <a:rPr lang="en-US"/>
               <a:t>Fourth level</a:t>
             </a:r>
           </a:p>
           <a:p>
             <a:pPr lvl="4"/>
             <a:r>
-              <a:rPr lang="en-US" smtClean="0"/>
+              <a:rPr lang="en-US"/>
               <a:t>Fifth level</a:t>
             </a:r>
-            <a:endParaRPr lang="en-US"/>
           </a:p>
         </p:txBody>
       </p:sp>
@@ -3361,7 +3350,7 @@
           <a:p>
             <a:pPr lvl="0"/>
             <a:r>
-              <a:rPr lang="en-US" smtClean="0"/>
+              <a:rPr lang="en-US"/>
               <a:t>Click to edit Master text styles</a:t>
             </a:r>
           </a:p>
@@ -3389,38 +3378,37 @@
           <a:p>
             <a:pPr lvl="0"/>
             <a:r>
-              <a:rPr lang="en-US" smtClean="0"/>
+              <a:rPr lang="en-US"/>
               <a:t>Click to edit Master text styles</a:t>
             </a:r>
           </a:p>
           <a:p>
             <a:pPr lvl="1"/>
             <a:r>
-              <a:rPr lang="en-US" smtClean="0"/>
+              <a:rPr lang="en-US"/>
               <a:t>Second level</a:t>
             </a:r>
           </a:p>
           <a:p>
             <a:pPr lvl="2"/>
             <a:r>
-              <a:rPr lang="en-US" smtClean="0"/>
+              <a:rPr lang="en-US"/>
               <a:t>Third level</a:t>
             </a:r>
           </a:p>
           <a:p>
             <a:pPr lvl="3"/>
             <a:r>
-              <a:rPr lang="en-US" smtClean="0"/>
+              <a:rPr lang="en-US"/>
               <a:t>Fourth level</a:t>
             </a:r>
           </a:p>
           <a:p>
             <a:pPr lvl="4"/>
             <a:r>
-              <a:rPr lang="en-US" smtClean="0"/>
+              <a:rPr lang="en-US"/>
               <a:t>Fifth level</a:t>
             </a:r>
-            <a:endParaRPr lang="en-US"/>
           </a:p>
         </p:txBody>
       </p:sp>
@@ -3442,7 +3430,7 @@
             <a:fld id="{19317672-D273-40A8-9069-31B0837D5743}" type="datetimeFigureOut">
               <a:rPr lang="en-US" smtClean="0"/>
               <a:pPr/>
-              <a:t>7/13/2022</a:t>
+              <a:t>8/26/2022</a:t>
             </a:fld>
             <a:endParaRPr lang="en-US" dirty="0"/>
           </a:p>
@@ -3494,7 +3482,7 @@
     </p:spTree>
     <p:extLst>
       <p:ext uri="{BB962C8B-B14F-4D97-AF65-F5344CB8AC3E}">
-        <p14:creationId xmlns:p14="http://schemas.microsoft.com/office/powerpoint/2010/main" xmlns="" val="1365294096"/>
+        <p14:creationId xmlns:p14="http://schemas.microsoft.com/office/powerpoint/2010/main" val="1365294096"/>
       </p:ext>
     </p:extLst>
   </p:cSld>
@@ -3537,10 +3525,9 @@
           <a:lstStyle/>
           <a:p>
             <a:r>
-              <a:rPr lang="en-US" smtClean="0"/>
+              <a:rPr lang="en-US"/>
               <a:t>Click to edit Master title style</a:t>
             </a:r>
-            <a:endParaRPr lang="en-US"/>
           </a:p>
         </p:txBody>
       </p:sp>
@@ -3562,7 +3549,7 @@
             <a:fld id="{19317672-D273-40A8-9069-31B0837D5743}" type="datetimeFigureOut">
               <a:rPr lang="en-US" smtClean="0"/>
               <a:pPr/>
-              <a:t>7/13/2022</a:t>
+              <a:t>8/26/2022</a:t>
             </a:fld>
             <a:endParaRPr lang="en-US" dirty="0"/>
           </a:p>
@@ -3614,7 +3601,7 @@
     </p:spTree>
     <p:extLst>
       <p:ext uri="{BB962C8B-B14F-4D97-AF65-F5344CB8AC3E}">
-        <p14:creationId xmlns:p14="http://schemas.microsoft.com/office/powerpoint/2010/main" xmlns="" val="3137221562"/>
+        <p14:creationId xmlns:p14="http://schemas.microsoft.com/office/powerpoint/2010/main" val="3137221562"/>
       </p:ext>
     </p:extLst>
   </p:cSld>
@@ -3659,7 +3646,7 @@
             <a:fld id="{19317672-D273-40A8-9069-31B0837D5743}" type="datetimeFigureOut">
               <a:rPr lang="en-US" smtClean="0"/>
               <a:pPr/>
-              <a:t>7/13/2022</a:t>
+              <a:t>8/26/2022</a:t>
             </a:fld>
             <a:endParaRPr lang="en-US" dirty="0"/>
           </a:p>
@@ -3711,7 +3698,7 @@
     </p:spTree>
     <p:extLst>
       <p:ext uri="{BB962C8B-B14F-4D97-AF65-F5344CB8AC3E}">
-        <p14:creationId xmlns:p14="http://schemas.microsoft.com/office/powerpoint/2010/main" xmlns="" val="2406463374"/>
+        <p14:creationId xmlns:p14="http://schemas.microsoft.com/office/powerpoint/2010/main" val="2406463374"/>
       </p:ext>
     </p:extLst>
   </p:cSld>
@@ -3769,10 +3756,9 @@
           <a:lstStyle/>
           <a:p>
             <a:r>
-              <a:rPr lang="en-US" smtClean="0"/>
+              <a:rPr lang="en-US"/>
               <a:t>Click to edit Master title style</a:t>
             </a:r>
-            <a:endParaRPr lang="en-US"/>
           </a:p>
         </p:txBody>
       </p:sp>
@@ -3803,38 +3789,37 @@
           <a:p>
             <a:pPr lvl="0"/>
             <a:r>
-              <a:rPr lang="en-US" smtClean="0"/>
+              <a:rPr lang="en-US"/>
               <a:t>Click to edit Master text styles</a:t>
             </a:r>
           </a:p>
           <a:p>
             <a:pPr lvl="1"/>
             <a:r>
-              <a:rPr lang="en-US" smtClean="0"/>
+              <a:rPr lang="en-US"/>
               <a:t>Second level</a:t>
             </a:r>
           </a:p>
           <a:p>
             <a:pPr lvl="2"/>
             <a:r>
-              <a:rPr lang="en-US" smtClean="0"/>
+              <a:rPr lang="en-US"/>
               <a:t>Third level</a:t>
             </a:r>
           </a:p>
           <a:p>
             <a:pPr lvl="3"/>
             <a:r>
-              <a:rPr lang="en-US" smtClean="0"/>
+              <a:rPr lang="en-US"/>
               <a:t>Fourth level</a:t>
             </a:r>
           </a:p>
           <a:p>
             <a:pPr lvl="4"/>
             <a:r>
-              <a:rPr lang="en-US" smtClean="0"/>
+              <a:rPr lang="en-US"/>
               <a:t>Fifth level</a:t>
             </a:r>
-            <a:endParaRPr lang="en-US"/>
           </a:p>
         </p:txBody>
       </p:sp>
@@ -3874,7 +3859,7 @@
             <a:fld id="{19317672-D273-40A8-9069-31B0837D5743}" type="datetimeFigureOut">
               <a:rPr lang="en-US" smtClean="0"/>
               <a:pPr/>
-              <a:t>7/13/2022</a:t>
+              <a:t>8/26/2022</a:t>
             </a:fld>
             <a:endParaRPr lang="en-US" dirty="0"/>
           </a:p>
@@ -3962,7 +3947,7 @@
     </p:spTree>
     <p:extLst>
       <p:ext uri="{BB962C8B-B14F-4D97-AF65-F5344CB8AC3E}">
-        <p14:creationId xmlns:p14="http://schemas.microsoft.com/office/powerpoint/2010/main" xmlns="" val="1410419063"/>
+        <p14:creationId xmlns:p14="http://schemas.microsoft.com/office/powerpoint/2010/main" val="1410419063"/>
       </p:ext>
     </p:extLst>
   </p:cSld>
@@ -4306,7 +4291,7 @@
           <a:lstStyle/>
           <a:p>
             <a:r>
-              <a:rPr lang="en-US" sz="2800" b="1" dirty="0" smtClean="0">
+              <a:rPr lang="en-US" sz="2800" b="1" dirty="0">
                 <a:solidFill>
                   <a:schemeClr val="accent2"/>
                 </a:solidFill>
@@ -4315,7 +4300,7 @@
               <a:t>Topic: Trading Analytics for </a:t>
             </a:r>
             <a:br>
-              <a:rPr lang="en-US" sz="2800" b="1" dirty="0" smtClean="0">
+              <a:rPr lang="en-US" sz="2800" b="1" dirty="0">
                 <a:solidFill>
                   <a:schemeClr val="accent2"/>
                 </a:solidFill>
@@ -4323,17 +4308,13 @@
               </a:rPr>
             </a:br>
             <a:r>
-              <a:rPr lang="en-US" sz="2800" b="1" dirty="0" smtClean="0">
+              <a:rPr lang="en-US" sz="2800" b="1" dirty="0">
                 <a:solidFill>
                   <a:schemeClr val="accent2"/>
                 </a:solidFill>
                 <a:cs typeface="Arial" panose="020B0604020202020204" pitchFamily="34" charset="0"/>
               </a:rPr>
               <a:t>Day Trading in Stock Market</a:t>
-            </a:r>
-            <a:r>
-              <a:rPr lang="en-US" sz="2800" b="1" dirty="0"/>
-              <a:t/>
             </a:r>
             <a:br>
               <a:rPr lang="en-US" sz="2800" b="1" dirty="0"/>
@@ -4370,7 +4351,7 @@
           <a:lstStyle/>
           <a:p>
             <a:r>
-              <a:rPr lang="en-US" sz="2000" b="1" dirty="0" smtClean="0">
+              <a:rPr lang="en-US" sz="2000" b="1" dirty="0">
                 <a:solidFill>
                   <a:schemeClr val="bg1"/>
                 </a:solidFill>
@@ -4382,7 +4363,7 @@
           </a:p>
           <a:p>
             <a:r>
-              <a:rPr lang="en-US" sz="2000" b="1" dirty="0" smtClean="0">
+              <a:rPr lang="en-US" sz="2000" b="1" dirty="0">
                 <a:solidFill>
                   <a:schemeClr val="bg1"/>
                 </a:solidFill>
@@ -4395,7 +4376,7 @@
           <a:p>
             <a:pPr algn="l"/>
             <a:r>
-              <a:rPr lang="en-US" sz="2000" b="1" dirty="0" smtClean="0">
+              <a:rPr lang="en-US" sz="2000" b="1" dirty="0">
                 <a:solidFill>
                   <a:schemeClr val="bg1"/>
                 </a:solidFill>
@@ -4413,15 +4394,7 @@
                   <a:schemeClr val="bg2"/>
                 </a:solidFill>
               </a:rPr>
-              <a:t>Trimester: THIRD </a:t>
-            </a:r>
-            <a:r>
-              <a:rPr lang="en-IN" sz="2000" b="1" dirty="0" smtClean="0">
-                <a:solidFill>
-                  <a:schemeClr val="bg2"/>
-                </a:solidFill>
-              </a:rPr>
-              <a:t>TRIMESTER</a:t>
+              <a:t>Trimester: THIRD TRIMESTER</a:t>
             </a:r>
             <a:endParaRPr lang="en-US" sz="2000" dirty="0">
               <a:solidFill>
@@ -4432,20 +4405,12 @@
           <a:p>
             <a:pPr algn="l"/>
             <a:r>
-              <a:rPr lang="en-IN" sz="2000" b="1" dirty="0" smtClean="0">
-                <a:solidFill>
-                  <a:schemeClr val="bg2"/>
-                </a:solidFill>
-              </a:rPr>
-              <a:t>SRN</a:t>
-            </a:r>
-            <a:r>
               <a:rPr lang="en-IN" sz="2000" b="1" dirty="0">
                 <a:solidFill>
                   <a:schemeClr val="bg2"/>
                 </a:solidFill>
               </a:rPr>
-              <a:t>: </a:t>
+              <a:t>SRN: </a:t>
             </a:r>
             <a:r>
               <a:rPr lang="en-US" sz="2000" b="1" dirty="0">
@@ -4467,7 +4432,7 @@
               <a:rPr lang="en-US" sz="2000" dirty="0"/>
               <a:t>  </a:t>
             </a:r>
-            <a:endParaRPr lang="en-US" sz="2000" b="1" dirty="0" smtClean="0">
+            <a:endParaRPr lang="en-US" sz="2000" b="1" dirty="0">
               <a:solidFill>
                 <a:schemeClr val="bg1"/>
               </a:solidFill>
@@ -4524,7 +4489,7 @@
               </a:lnSpc>
             </a:pPr>
             <a:r>
-              <a:rPr lang="en-IN" sz="1600" dirty="0" smtClean="0">
+              <a:rPr lang="en-IN" sz="1600" dirty="0">
                 <a:solidFill>
                   <a:schemeClr val="bg1"/>
                 </a:solidFill>
@@ -4579,18 +4544,13 @@
           <a:p>
             <a:pPr algn="r"/>
             <a:r>
-              <a:rPr lang="en-IN" sz="1400" b="1" dirty="0" smtClean="0">
+              <a:rPr lang="en-IN" sz="1400" b="1" dirty="0">
                 <a:solidFill>
                   <a:srgbClr val="595959"/>
                 </a:solidFill>
               </a:rPr>
               <a:t>REVA Academy for Corporate Excellence (RACE)</a:t>
             </a:r>
-            <a:endParaRPr lang="en-IN" sz="1400" b="1" dirty="0">
-              <a:solidFill>
-                <a:srgbClr val="595959"/>
-              </a:solidFill>
-            </a:endParaRPr>
           </a:p>
         </p:txBody>
       </p:sp>
@@ -4636,38 +4596,26 @@
           </a:lstStyle>
           <a:p>
             <a:r>
-              <a:rPr lang="en-IN" sz="2400" dirty="0" smtClean="0">
+              <a:rPr lang="en-IN" sz="2400" dirty="0">
                 <a:solidFill>
                   <a:srgbClr val="595959"/>
                 </a:solidFill>
               </a:rPr>
               <a:t>Date:25/6/2022</a:t>
             </a:r>
-            <a:endParaRPr lang="en-IN" sz="2400" dirty="0">
-              <a:solidFill>
-                <a:srgbClr val="595959"/>
-              </a:solidFill>
-            </a:endParaRPr>
           </a:p>
         </p:txBody>
       </p:sp>
     </p:spTree>
     <p:extLst>
       <p:ext uri="{BB962C8B-B14F-4D97-AF65-F5344CB8AC3E}">
-        <p14:creationId xmlns:p14="http://schemas.microsoft.com/office/powerpoint/2010/main" xmlns="" val="1697186130"/>
+        <p14:creationId xmlns:p14="http://schemas.microsoft.com/office/powerpoint/2010/main" val="1697186130"/>
       </p:ext>
     </p:extLst>
   </p:cSld>
   <p:clrMapOvr>
     <a:masterClrMapping/>
   </p:clrMapOvr>
-  <p:timing>
-    <p:tnLst>
-      <p:par>
-        <p:cTn id="1" dur="indefinite" restart="never" nodeType="tmRoot"/>
-      </p:par>
-    </p:tnLst>
-  </p:timing>
 </p:sld>
 </file>
 
@@ -4724,7 +4672,7 @@
           <a:p>
             <a:pPr algn="l"/>
             <a:r>
-              <a:rPr lang="de-DE" dirty="0" smtClean="0"/>
+              <a:rPr lang="de-DE" dirty="0"/>
               <a:t>REGRESSION  MODELS METRICS</a:t>
             </a:r>
             <a:endParaRPr lang="en-US" dirty="0"/>
@@ -4737,7 +4685,13 @@
           <p:cNvGraphicFramePr>
             <a:graphicFrameLocks noGrp="1"/>
           </p:cNvGraphicFramePr>
-          <p:nvPr/>
+          <p:nvPr>
+            <p:extLst>
+              <p:ext uri="{D42A27DB-BD31-4B8C-83A1-F6EECF244321}">
+                <p14:modId xmlns:p14="http://schemas.microsoft.com/office/powerpoint/2010/main" val="4269804015"/>
+              </p:ext>
+            </p:extLst>
+          </p:nvPr>
         </p:nvGraphicFramePr>
         <p:xfrm>
           <a:off x="383824" y="1535287"/>
@@ -4748,13 +4702,55 @@
             <a:tbl>
               <a:tblPr/>
               <a:tblGrid>
-                <a:gridCol w="1831298"/>
-                <a:gridCol w="2389151"/>
-                <a:gridCol w="1465807"/>
-                <a:gridCol w="1554295"/>
-                <a:gridCol w="1323460"/>
-                <a:gridCol w="1554295"/>
-                <a:gridCol w="1215736"/>
+                <a:gridCol w="1831298">
+                  <a:extLst>
+                    <a:ext uri="{9D8B030D-6E8A-4147-A177-3AD203B41FA5}">
+                      <a16:colId xmlns:a16="http://schemas.microsoft.com/office/drawing/2014/main" val="20000"/>
+                    </a:ext>
+                  </a:extLst>
+                </a:gridCol>
+                <a:gridCol w="2389151">
+                  <a:extLst>
+                    <a:ext uri="{9D8B030D-6E8A-4147-A177-3AD203B41FA5}">
+                      <a16:colId xmlns:a16="http://schemas.microsoft.com/office/drawing/2014/main" val="20001"/>
+                    </a:ext>
+                  </a:extLst>
+                </a:gridCol>
+                <a:gridCol w="1465807">
+                  <a:extLst>
+                    <a:ext uri="{9D8B030D-6E8A-4147-A177-3AD203B41FA5}">
+                      <a16:colId xmlns:a16="http://schemas.microsoft.com/office/drawing/2014/main" val="20002"/>
+                    </a:ext>
+                  </a:extLst>
+                </a:gridCol>
+                <a:gridCol w="1554295">
+                  <a:extLst>
+                    <a:ext uri="{9D8B030D-6E8A-4147-A177-3AD203B41FA5}">
+                      <a16:colId xmlns:a16="http://schemas.microsoft.com/office/drawing/2014/main" val="20003"/>
+                    </a:ext>
+                  </a:extLst>
+                </a:gridCol>
+                <a:gridCol w="1323460">
+                  <a:extLst>
+                    <a:ext uri="{9D8B030D-6E8A-4147-A177-3AD203B41FA5}">
+                      <a16:colId xmlns:a16="http://schemas.microsoft.com/office/drawing/2014/main" val="20004"/>
+                    </a:ext>
+                  </a:extLst>
+                </a:gridCol>
+                <a:gridCol w="1554295">
+                  <a:extLst>
+                    <a:ext uri="{9D8B030D-6E8A-4147-A177-3AD203B41FA5}">
+                      <a16:colId xmlns:a16="http://schemas.microsoft.com/office/drawing/2014/main" val="20005"/>
+                    </a:ext>
+                  </a:extLst>
+                </a:gridCol>
+                <a:gridCol w="1215736">
+                  <a:extLst>
+                    <a:ext uri="{9D8B030D-6E8A-4147-A177-3AD203B41FA5}">
+                      <a16:colId xmlns:a16="http://schemas.microsoft.com/office/drawing/2014/main" val="20006"/>
+                    </a:ext>
+                  </a:extLst>
+                </a:gridCol>
               </a:tblGrid>
               <a:tr h="1084714">
                 <a:tc>
@@ -5080,7 +5076,7 @@
                           </a:solidFill>
                           <a:latin typeface="Calibri"/>
                         </a:rPr>
-                        <a:t>Mean Absolute Percentage Error FOR TEST DATA</a:t>
+                        <a:t>Median Absolute Error FOR TEST DATA</a:t>
                       </a:r>
                     </a:p>
                   </a:txBody>
@@ -5191,6 +5187,11 @@
                     </a:solidFill>
                   </a:tcPr>
                 </a:tc>
+                <a:extLst>
+                  <a:ext uri="{0D108BD9-81ED-4DB2-BD59-A6C34878D82A}">
+                    <a16:rowId xmlns:a16="http://schemas.microsoft.com/office/drawing/2014/main" val="10000"/>
+                  </a:ext>
+                </a:extLst>
               </a:tr>
               <a:tr h="903930">
                 <a:tc>
@@ -5606,6 +5607,11 @@
                     </a:solidFill>
                   </a:tcPr>
                 </a:tc>
+                <a:extLst>
+                  <a:ext uri="{0D108BD9-81ED-4DB2-BD59-A6C34878D82A}">
+                    <a16:rowId xmlns:a16="http://schemas.microsoft.com/office/drawing/2014/main" val="10001"/>
+                  </a:ext>
+                </a:extLst>
               </a:tr>
               <a:tr h="1001275">
                 <a:tc>
@@ -6021,6 +6027,11 @@
                     </a:solidFill>
                   </a:tcPr>
                 </a:tc>
+                <a:extLst>
+                  <a:ext uri="{0D108BD9-81ED-4DB2-BD59-A6C34878D82A}">
+                    <a16:rowId xmlns:a16="http://schemas.microsoft.com/office/drawing/2014/main" val="10002"/>
+                  </a:ext>
+                </a:extLst>
               </a:tr>
               <a:tr h="903930">
                 <a:tc>
@@ -6436,6 +6447,11 @@
                     </a:solidFill>
                   </a:tcPr>
                 </a:tc>
+                <a:extLst>
+                  <a:ext uri="{0D108BD9-81ED-4DB2-BD59-A6C34878D82A}">
+                    <a16:rowId xmlns:a16="http://schemas.microsoft.com/office/drawing/2014/main" val="10003"/>
+                  </a:ext>
+                </a:extLst>
               </a:tr>
               <a:tr h="903930">
                 <a:tc>
@@ -6851,6 +6867,11 @@
                     </a:solidFill>
                   </a:tcPr>
                 </a:tc>
+                <a:extLst>
+                  <a:ext uri="{0D108BD9-81ED-4DB2-BD59-A6C34878D82A}">
+                    <a16:rowId xmlns:a16="http://schemas.microsoft.com/office/drawing/2014/main" val="10004"/>
+                  </a:ext>
+                </a:extLst>
               </a:tr>
             </a:tbl>
           </a:graphicData>
@@ -6859,20 +6880,13 @@
     </p:spTree>
     <p:extLst>
       <p:ext uri="{BB962C8B-B14F-4D97-AF65-F5344CB8AC3E}">
-        <p14:creationId xmlns:p14="http://schemas.microsoft.com/office/powerpoint/2010/main" xmlns="" val="2794430881"/>
+        <p14:creationId xmlns:p14="http://schemas.microsoft.com/office/powerpoint/2010/main" val="2794430881"/>
       </p:ext>
     </p:extLst>
   </p:cSld>
   <p:clrMapOvr>
     <a:masterClrMapping/>
   </p:clrMapOvr>
-  <p:timing>
-    <p:tnLst>
-      <p:par>
-        <p:cTn id="1" dur="indefinite" restart="never" nodeType="tmRoot"/>
-      </p:par>
-    </p:tnLst>
-  </p:timing>
 </p:sld>
 </file>
 
@@ -6929,7 +6943,7 @@
           <a:p>
             <a:pPr algn="l"/>
             <a:r>
-              <a:rPr lang="de-DE" dirty="0" smtClean="0"/>
+              <a:rPr lang="de-DE" dirty="0"/>
               <a:t>REGRESSION  MODELS METRICS</a:t>
             </a:r>
             <a:endParaRPr lang="en-US" dirty="0"/>
@@ -6942,7 +6956,13 @@
           <p:cNvGraphicFramePr>
             <a:graphicFrameLocks noGrp="1"/>
           </p:cNvGraphicFramePr>
-          <p:nvPr/>
+          <p:nvPr>
+            <p:extLst>
+              <p:ext uri="{D42A27DB-BD31-4B8C-83A1-F6EECF244321}">
+                <p14:modId xmlns:p14="http://schemas.microsoft.com/office/powerpoint/2010/main" val="3013953480"/>
+              </p:ext>
+            </p:extLst>
+          </p:nvPr>
         </p:nvGraphicFramePr>
         <p:xfrm>
           <a:off x="372535" y="1501422"/>
@@ -6953,13 +6973,55 @@
             <a:tbl>
               <a:tblPr/>
               <a:tblGrid>
-                <a:gridCol w="1825826"/>
-                <a:gridCol w="2382013"/>
-                <a:gridCol w="1461428"/>
-                <a:gridCol w="1549651"/>
-                <a:gridCol w="1319506"/>
-                <a:gridCol w="1549651"/>
-                <a:gridCol w="1212104"/>
+                <a:gridCol w="1825826">
+                  <a:extLst>
+                    <a:ext uri="{9D8B030D-6E8A-4147-A177-3AD203B41FA5}">
+                      <a16:colId xmlns:a16="http://schemas.microsoft.com/office/drawing/2014/main" val="20000"/>
+                    </a:ext>
+                  </a:extLst>
+                </a:gridCol>
+                <a:gridCol w="2382013">
+                  <a:extLst>
+                    <a:ext uri="{9D8B030D-6E8A-4147-A177-3AD203B41FA5}">
+                      <a16:colId xmlns:a16="http://schemas.microsoft.com/office/drawing/2014/main" val="20001"/>
+                    </a:ext>
+                  </a:extLst>
+                </a:gridCol>
+                <a:gridCol w="1461428">
+                  <a:extLst>
+                    <a:ext uri="{9D8B030D-6E8A-4147-A177-3AD203B41FA5}">
+                      <a16:colId xmlns:a16="http://schemas.microsoft.com/office/drawing/2014/main" val="20002"/>
+                    </a:ext>
+                  </a:extLst>
+                </a:gridCol>
+                <a:gridCol w="1549651">
+                  <a:extLst>
+                    <a:ext uri="{9D8B030D-6E8A-4147-A177-3AD203B41FA5}">
+                      <a16:colId xmlns:a16="http://schemas.microsoft.com/office/drawing/2014/main" val="20003"/>
+                    </a:ext>
+                  </a:extLst>
+                </a:gridCol>
+                <a:gridCol w="1319506">
+                  <a:extLst>
+                    <a:ext uri="{9D8B030D-6E8A-4147-A177-3AD203B41FA5}">
+                      <a16:colId xmlns:a16="http://schemas.microsoft.com/office/drawing/2014/main" val="20004"/>
+                    </a:ext>
+                  </a:extLst>
+                </a:gridCol>
+                <a:gridCol w="1549651">
+                  <a:extLst>
+                    <a:ext uri="{9D8B030D-6E8A-4147-A177-3AD203B41FA5}">
+                      <a16:colId xmlns:a16="http://schemas.microsoft.com/office/drawing/2014/main" val="20005"/>
+                    </a:ext>
+                  </a:extLst>
+                </a:gridCol>
+                <a:gridCol w="1212104">
+                  <a:extLst>
+                    <a:ext uri="{9D8B030D-6E8A-4147-A177-3AD203B41FA5}">
+                      <a16:colId xmlns:a16="http://schemas.microsoft.com/office/drawing/2014/main" val="20006"/>
+                    </a:ext>
+                  </a:extLst>
+                </a:gridCol>
               </a:tblGrid>
               <a:tr h="1021613">
                 <a:tc>
@@ -7285,7 +7347,7 @@
                           </a:solidFill>
                           <a:latin typeface="Calibri"/>
                         </a:rPr>
-                        <a:t>Mean Absolute Percentage Error FOR TEST DATA</a:t>
+                        <a:t>Median Absolute Error FOR TEST DATA</a:t>
                       </a:r>
                     </a:p>
                   </a:txBody>
@@ -7396,6 +7458,11 @@
                     </a:solidFill>
                   </a:tcPr>
                 </a:tc>
+                <a:extLst>
+                  <a:ext uri="{0D108BD9-81ED-4DB2-BD59-A6C34878D82A}">
+                    <a16:rowId xmlns:a16="http://schemas.microsoft.com/office/drawing/2014/main" val="10000"/>
+                  </a:ext>
+                </a:extLst>
               </a:tr>
               <a:tr h="851344">
                 <a:tc>
@@ -7825,6 +7892,11 @@
                     </a:solidFill>
                   </a:tcPr>
                 </a:tc>
+                <a:extLst>
+                  <a:ext uri="{0D108BD9-81ED-4DB2-BD59-A6C34878D82A}">
+                    <a16:rowId xmlns:a16="http://schemas.microsoft.com/office/drawing/2014/main" val="10001"/>
+                  </a:ext>
+                </a:extLst>
               </a:tr>
               <a:tr h="1074004">
                 <a:tc>
@@ -8240,6 +8312,11 @@
                     </a:solidFill>
                   </a:tcPr>
                 </a:tc>
+                <a:extLst>
+                  <a:ext uri="{0D108BD9-81ED-4DB2-BD59-A6C34878D82A}">
+                    <a16:rowId xmlns:a16="http://schemas.microsoft.com/office/drawing/2014/main" val="10002"/>
+                  </a:ext>
+                </a:extLst>
               </a:tr>
               <a:tr h="851344">
                 <a:tc>
@@ -8655,6 +8732,11 @@
                     </a:solidFill>
                   </a:tcPr>
                 </a:tc>
+                <a:extLst>
+                  <a:ext uri="{0D108BD9-81ED-4DB2-BD59-A6C34878D82A}">
+                    <a16:rowId xmlns:a16="http://schemas.microsoft.com/office/drawing/2014/main" val="10003"/>
+                  </a:ext>
+                </a:extLst>
               </a:tr>
               <a:tr h="943028">
                 <a:tc>
@@ -9070,6 +9152,11 @@
                     </a:solidFill>
                   </a:tcPr>
                 </a:tc>
+                <a:extLst>
+                  <a:ext uri="{0D108BD9-81ED-4DB2-BD59-A6C34878D82A}">
+                    <a16:rowId xmlns:a16="http://schemas.microsoft.com/office/drawing/2014/main" val="10004"/>
+                  </a:ext>
+                </a:extLst>
               </a:tr>
             </a:tbl>
           </a:graphicData>
@@ -9078,20 +9165,13 @@
     </p:spTree>
     <p:extLst>
       <p:ext uri="{BB962C8B-B14F-4D97-AF65-F5344CB8AC3E}">
-        <p14:creationId xmlns:p14="http://schemas.microsoft.com/office/powerpoint/2010/main" xmlns="" val="2794430881"/>
+        <p14:creationId xmlns:p14="http://schemas.microsoft.com/office/powerpoint/2010/main" val="2794430881"/>
       </p:ext>
     </p:extLst>
   </p:cSld>
   <p:clrMapOvr>
     <a:masterClrMapping/>
   </p:clrMapOvr>
-  <p:timing>
-    <p:tnLst>
-      <p:par>
-        <p:cTn id="1" dur="indefinite" restart="never" nodeType="tmRoot"/>
-      </p:par>
-    </p:tnLst>
-  </p:timing>
 </p:sld>
 </file>
 
@@ -9150,7 +9230,7 @@
           <a:p>
             <a:pPr algn="l"/>
             <a:r>
-              <a:rPr lang="de-DE" sz="2800" dirty="0" smtClean="0"/>
+              <a:rPr lang="de-DE" sz="2800" dirty="0"/>
               <a:t>REGRESSION  METRICS COMPARISON</a:t>
             </a:r>
             <a:endParaRPr lang="en-US" sz="2800" dirty="0"/>
@@ -9174,10 +9254,34 @@
             <a:tbl>
               <a:tblPr/>
               <a:tblGrid>
-                <a:gridCol w="2398846"/>
-                <a:gridCol w="3971199"/>
-                <a:gridCol w="2706261"/>
-                <a:gridCol w="2257738"/>
+                <a:gridCol w="2398846">
+                  <a:extLst>
+                    <a:ext uri="{9D8B030D-6E8A-4147-A177-3AD203B41FA5}">
+                      <a16:colId xmlns:a16="http://schemas.microsoft.com/office/drawing/2014/main" val="20000"/>
+                    </a:ext>
+                  </a:extLst>
+                </a:gridCol>
+                <a:gridCol w="3971199">
+                  <a:extLst>
+                    <a:ext uri="{9D8B030D-6E8A-4147-A177-3AD203B41FA5}">
+                      <a16:colId xmlns:a16="http://schemas.microsoft.com/office/drawing/2014/main" val="20001"/>
+                    </a:ext>
+                  </a:extLst>
+                </a:gridCol>
+                <a:gridCol w="2706261">
+                  <a:extLst>
+                    <a:ext uri="{9D8B030D-6E8A-4147-A177-3AD203B41FA5}">
+                      <a16:colId xmlns:a16="http://schemas.microsoft.com/office/drawing/2014/main" val="20002"/>
+                    </a:ext>
+                  </a:extLst>
+                </a:gridCol>
+                <a:gridCol w="2257738">
+                  <a:extLst>
+                    <a:ext uri="{9D8B030D-6E8A-4147-A177-3AD203B41FA5}">
+                      <a16:colId xmlns:a16="http://schemas.microsoft.com/office/drawing/2014/main" val="20003"/>
+                    </a:ext>
+                  </a:extLst>
+                </a:gridCol>
               </a:tblGrid>
               <a:tr h="678946">
                 <a:tc>
@@ -9428,6 +9532,11 @@
                     </a:solidFill>
                   </a:tcPr>
                 </a:tc>
+                <a:extLst>
+                  <a:ext uri="{0D108BD9-81ED-4DB2-BD59-A6C34878D82A}">
+                    <a16:rowId xmlns:a16="http://schemas.microsoft.com/office/drawing/2014/main" val="10000"/>
+                  </a:ext>
+                </a:extLst>
               </a:tr>
               <a:tr h="678946">
                 <a:tc>
@@ -9666,6 +9775,11 @@
                     </a:solidFill>
                   </a:tcPr>
                 </a:tc>
+                <a:extLst>
+                  <a:ext uri="{0D108BD9-81ED-4DB2-BD59-A6C34878D82A}">
+                    <a16:rowId xmlns:a16="http://schemas.microsoft.com/office/drawing/2014/main" val="10001"/>
+                  </a:ext>
+                </a:extLst>
               </a:tr>
               <a:tr h="678946">
                 <a:tc>
@@ -9904,6 +10018,11 @@
                     </a:solidFill>
                   </a:tcPr>
                 </a:tc>
+                <a:extLst>
+                  <a:ext uri="{0D108BD9-81ED-4DB2-BD59-A6C34878D82A}">
+                    <a16:rowId xmlns:a16="http://schemas.microsoft.com/office/drawing/2014/main" val="10002"/>
+                  </a:ext>
+                </a:extLst>
               </a:tr>
               <a:tr h="678946">
                 <a:tc>
@@ -10142,6 +10261,11 @@
                     </a:solidFill>
                   </a:tcPr>
                 </a:tc>
+                <a:extLst>
+                  <a:ext uri="{0D108BD9-81ED-4DB2-BD59-A6C34878D82A}">
+                    <a16:rowId xmlns:a16="http://schemas.microsoft.com/office/drawing/2014/main" val="10003"/>
+                  </a:ext>
+                </a:extLst>
               </a:tr>
               <a:tr h="678946">
                 <a:tc>
@@ -10394,6 +10518,11 @@
                     </a:solidFill>
                   </a:tcPr>
                 </a:tc>
+                <a:extLst>
+                  <a:ext uri="{0D108BD9-81ED-4DB2-BD59-A6C34878D82A}">
+                    <a16:rowId xmlns:a16="http://schemas.microsoft.com/office/drawing/2014/main" val="10004"/>
+                  </a:ext>
+                </a:extLst>
               </a:tr>
               <a:tr h="678946">
                 <a:tc>
@@ -10632,6 +10761,11 @@
                     </a:solidFill>
                   </a:tcPr>
                 </a:tc>
+                <a:extLst>
+                  <a:ext uri="{0D108BD9-81ED-4DB2-BD59-A6C34878D82A}">
+                    <a16:rowId xmlns:a16="http://schemas.microsoft.com/office/drawing/2014/main" val="10005"/>
+                  </a:ext>
+                </a:extLst>
               </a:tr>
               <a:tr h="678946">
                 <a:tc>
@@ -10870,6 +11004,11 @@
                     </a:solidFill>
                   </a:tcPr>
                 </a:tc>
+                <a:extLst>
+                  <a:ext uri="{0D108BD9-81ED-4DB2-BD59-A6C34878D82A}">
+                    <a16:rowId xmlns:a16="http://schemas.microsoft.com/office/drawing/2014/main" val="10006"/>
+                  </a:ext>
+                </a:extLst>
               </a:tr>
             </a:tbl>
           </a:graphicData>
@@ -10878,20 +11017,13 @@
     </p:spTree>
     <p:extLst>
       <p:ext uri="{BB962C8B-B14F-4D97-AF65-F5344CB8AC3E}">
-        <p14:creationId xmlns:p14="http://schemas.microsoft.com/office/powerpoint/2010/main" xmlns="" val="2794430881"/>
+        <p14:creationId xmlns:p14="http://schemas.microsoft.com/office/powerpoint/2010/main" val="2794430881"/>
       </p:ext>
     </p:extLst>
   </p:cSld>
   <p:clrMapOvr>
     <a:masterClrMapping/>
   </p:clrMapOvr>
-  <p:timing>
-    <p:tnLst>
-      <p:par>
-        <p:cTn id="1" dur="indefinite" restart="never" nodeType="tmRoot"/>
-      </p:par>
-    </p:tnLst>
-  </p:timing>
 </p:sld>
 </file>
 
@@ -10950,7 +11082,7 @@
           <a:p>
             <a:pPr algn="l"/>
             <a:r>
-              <a:rPr lang="de-DE" sz="2800" dirty="0" smtClean="0"/>
+              <a:rPr lang="de-DE" sz="2800" dirty="0"/>
               <a:t>REGRESSION  METRICS COMPARISON</a:t>
             </a:r>
             <a:endParaRPr lang="en-US" sz="2800" dirty="0"/>
@@ -10974,10 +11106,34 @@
             <a:tbl>
               <a:tblPr/>
               <a:tblGrid>
-                <a:gridCol w="2420349"/>
-                <a:gridCol w="4006797"/>
-                <a:gridCol w="2730520"/>
-                <a:gridCol w="2277977"/>
+                <a:gridCol w="2420349">
+                  <a:extLst>
+                    <a:ext uri="{9D8B030D-6E8A-4147-A177-3AD203B41FA5}">
+                      <a16:colId xmlns:a16="http://schemas.microsoft.com/office/drawing/2014/main" val="20000"/>
+                    </a:ext>
+                  </a:extLst>
+                </a:gridCol>
+                <a:gridCol w="4006797">
+                  <a:extLst>
+                    <a:ext uri="{9D8B030D-6E8A-4147-A177-3AD203B41FA5}">
+                      <a16:colId xmlns:a16="http://schemas.microsoft.com/office/drawing/2014/main" val="20001"/>
+                    </a:ext>
+                  </a:extLst>
+                </a:gridCol>
+                <a:gridCol w="2730520">
+                  <a:extLst>
+                    <a:ext uri="{9D8B030D-6E8A-4147-A177-3AD203B41FA5}">
+                      <a16:colId xmlns:a16="http://schemas.microsoft.com/office/drawing/2014/main" val="20002"/>
+                    </a:ext>
+                  </a:extLst>
+                </a:gridCol>
+                <a:gridCol w="2277977">
+                  <a:extLst>
+                    <a:ext uri="{9D8B030D-6E8A-4147-A177-3AD203B41FA5}">
+                      <a16:colId xmlns:a16="http://schemas.microsoft.com/office/drawing/2014/main" val="20003"/>
+                    </a:ext>
+                  </a:extLst>
+                </a:gridCol>
               </a:tblGrid>
               <a:tr h="676408">
                 <a:tc>
@@ -11228,6 +11384,11 @@
                     </a:solidFill>
                   </a:tcPr>
                 </a:tc>
+                <a:extLst>
+                  <a:ext uri="{0D108BD9-81ED-4DB2-BD59-A6C34878D82A}">
+                    <a16:rowId xmlns:a16="http://schemas.microsoft.com/office/drawing/2014/main" val="10000"/>
+                  </a:ext>
+                </a:extLst>
               </a:tr>
               <a:tr h="676408">
                 <a:tc>
@@ -11466,6 +11627,11 @@
                     </a:solidFill>
                   </a:tcPr>
                 </a:tc>
+                <a:extLst>
+                  <a:ext uri="{0D108BD9-81ED-4DB2-BD59-A6C34878D82A}">
+                    <a16:rowId xmlns:a16="http://schemas.microsoft.com/office/drawing/2014/main" val="10001"/>
+                  </a:ext>
+                </a:extLst>
               </a:tr>
               <a:tr h="676408">
                 <a:tc>
@@ -11704,6 +11870,11 @@
                     </a:solidFill>
                   </a:tcPr>
                 </a:tc>
+                <a:extLst>
+                  <a:ext uri="{0D108BD9-81ED-4DB2-BD59-A6C34878D82A}">
+                    <a16:rowId xmlns:a16="http://schemas.microsoft.com/office/drawing/2014/main" val="10002"/>
+                  </a:ext>
+                </a:extLst>
               </a:tr>
               <a:tr h="676408">
                 <a:tc>
@@ -11956,6 +12127,11 @@
                     </a:solidFill>
                   </a:tcPr>
                 </a:tc>
+                <a:extLst>
+                  <a:ext uri="{0D108BD9-81ED-4DB2-BD59-A6C34878D82A}">
+                    <a16:rowId xmlns:a16="http://schemas.microsoft.com/office/drawing/2014/main" val="10003"/>
+                  </a:ext>
+                </a:extLst>
               </a:tr>
               <a:tr h="795774">
                 <a:tc>
@@ -12194,6 +12370,11 @@
                     </a:solidFill>
                   </a:tcPr>
                 </a:tc>
+                <a:extLst>
+                  <a:ext uri="{0D108BD9-81ED-4DB2-BD59-A6C34878D82A}">
+                    <a16:rowId xmlns:a16="http://schemas.microsoft.com/office/drawing/2014/main" val="10004"/>
+                  </a:ext>
+                </a:extLst>
               </a:tr>
               <a:tr h="676408">
                 <a:tc>
@@ -12432,6 +12613,11 @@
                     </a:solidFill>
                   </a:tcPr>
                 </a:tc>
+                <a:extLst>
+                  <a:ext uri="{0D108BD9-81ED-4DB2-BD59-A6C34878D82A}">
+                    <a16:rowId xmlns:a16="http://schemas.microsoft.com/office/drawing/2014/main" val="10005"/>
+                  </a:ext>
+                </a:extLst>
               </a:tr>
               <a:tr h="676408">
                 <a:tc>
@@ -12670,6 +12856,11 @@
                     </a:solidFill>
                   </a:tcPr>
                 </a:tc>
+                <a:extLst>
+                  <a:ext uri="{0D108BD9-81ED-4DB2-BD59-A6C34878D82A}">
+                    <a16:rowId xmlns:a16="http://schemas.microsoft.com/office/drawing/2014/main" val="10006"/>
+                  </a:ext>
+                </a:extLst>
               </a:tr>
             </a:tbl>
           </a:graphicData>
@@ -12678,20 +12869,13 @@
     </p:spTree>
     <p:extLst>
       <p:ext uri="{BB962C8B-B14F-4D97-AF65-F5344CB8AC3E}">
-        <p14:creationId xmlns:p14="http://schemas.microsoft.com/office/powerpoint/2010/main" xmlns="" val="2794430881"/>
+        <p14:creationId xmlns:p14="http://schemas.microsoft.com/office/powerpoint/2010/main" val="2794430881"/>
       </p:ext>
     </p:extLst>
   </p:cSld>
   <p:clrMapOvr>
     <a:masterClrMapping/>
   </p:clrMapOvr>
-  <p:timing>
-    <p:tnLst>
-      <p:par>
-        <p:cTn id="1" dur="indefinite" restart="never" nodeType="tmRoot"/>
-      </p:par>
-    </p:tnLst>
-  </p:timing>
 </p:sld>
 </file>
 
@@ -12724,7 +12908,7 @@
           <a:blip r:embed="rId2">
             <a:extLst>
               <a:ext uri="{28A0092B-C50C-407E-A947-70E740481C1C}">
-                <a14:useLocalDpi xmlns:a14="http://schemas.microsoft.com/office/drawing/2010/main" xmlns="" val="0"/>
+                <a14:useLocalDpi xmlns:a14="http://schemas.microsoft.com/office/drawing/2010/main" val="0"/>
               </a:ext>
             </a:extLst>
           </a:blip>
@@ -12752,20 +12936,13 @@
     </p:spTree>
     <p:extLst>
       <p:ext uri="{BB962C8B-B14F-4D97-AF65-F5344CB8AC3E}">
-        <p14:creationId xmlns:p14="http://schemas.microsoft.com/office/powerpoint/2010/main" xmlns="" val="4110416358"/>
+        <p14:creationId xmlns:p14="http://schemas.microsoft.com/office/powerpoint/2010/main" val="4110416358"/>
       </p:ext>
     </p:extLst>
   </p:cSld>
   <p:clrMapOvr>
     <a:masterClrMapping/>
   </p:clrMapOvr>
-  <p:timing>
-    <p:tnLst>
-      <p:par>
-        <p:cTn id="1" dur="indefinite" restart="never" nodeType="tmRoot"/>
-      </p:par>
-    </p:tnLst>
-  </p:timing>
 </p:sld>
 </file>
 
@@ -12822,7 +12999,7 @@
           <a:p>
             <a:pPr algn="l"/>
             <a:r>
-              <a:rPr lang="de-DE" dirty="0" smtClean="0"/>
+              <a:rPr lang="de-DE" dirty="0"/>
               <a:t>SMA EMA T Test METRICS</a:t>
             </a:r>
             <a:endParaRPr lang="en-US" dirty="0"/>
@@ -12846,12 +13023,48 @@
             <a:tbl>
               <a:tblPr/>
               <a:tblGrid>
-                <a:gridCol w="1864021"/>
-                <a:gridCol w="2194559"/>
-                <a:gridCol w="1864021"/>
-                <a:gridCol w="1864021"/>
-                <a:gridCol w="1864021"/>
-                <a:gridCol w="1864021"/>
+                <a:gridCol w="1864021">
+                  <a:extLst>
+                    <a:ext uri="{9D8B030D-6E8A-4147-A177-3AD203B41FA5}">
+                      <a16:colId xmlns:a16="http://schemas.microsoft.com/office/drawing/2014/main" val="20000"/>
+                    </a:ext>
+                  </a:extLst>
+                </a:gridCol>
+                <a:gridCol w="2194559">
+                  <a:extLst>
+                    <a:ext uri="{9D8B030D-6E8A-4147-A177-3AD203B41FA5}">
+                      <a16:colId xmlns:a16="http://schemas.microsoft.com/office/drawing/2014/main" val="20001"/>
+                    </a:ext>
+                  </a:extLst>
+                </a:gridCol>
+                <a:gridCol w="1864021">
+                  <a:extLst>
+                    <a:ext uri="{9D8B030D-6E8A-4147-A177-3AD203B41FA5}">
+                      <a16:colId xmlns:a16="http://schemas.microsoft.com/office/drawing/2014/main" val="20002"/>
+                    </a:ext>
+                  </a:extLst>
+                </a:gridCol>
+                <a:gridCol w="1864021">
+                  <a:extLst>
+                    <a:ext uri="{9D8B030D-6E8A-4147-A177-3AD203B41FA5}">
+                      <a16:colId xmlns:a16="http://schemas.microsoft.com/office/drawing/2014/main" val="20003"/>
+                    </a:ext>
+                  </a:extLst>
+                </a:gridCol>
+                <a:gridCol w="1864021">
+                  <a:extLst>
+                    <a:ext uri="{9D8B030D-6E8A-4147-A177-3AD203B41FA5}">
+                      <a16:colId xmlns:a16="http://schemas.microsoft.com/office/drawing/2014/main" val="20004"/>
+                    </a:ext>
+                  </a:extLst>
+                </a:gridCol>
+                <a:gridCol w="1864021">
+                  <a:extLst>
+                    <a:ext uri="{9D8B030D-6E8A-4147-A177-3AD203B41FA5}">
+                      <a16:colId xmlns:a16="http://schemas.microsoft.com/office/drawing/2014/main" val="20005"/>
+                    </a:ext>
+                  </a:extLst>
+                </a:gridCol>
               </a:tblGrid>
               <a:tr h="484685">
                 <a:tc>
@@ -13208,6 +13421,11 @@
                     </a:solidFill>
                   </a:tcPr>
                 </a:tc>
+                <a:extLst>
+                  <a:ext uri="{0D108BD9-81ED-4DB2-BD59-A6C34878D82A}">
+                    <a16:rowId xmlns:a16="http://schemas.microsoft.com/office/drawing/2014/main" val="10000"/>
+                  </a:ext>
+                </a:extLst>
               </a:tr>
               <a:tr h="538539">
                 <a:tc>
@@ -13564,6 +13782,11 @@
                     </a:solidFill>
                   </a:tcPr>
                 </a:tc>
+                <a:extLst>
+                  <a:ext uri="{0D108BD9-81ED-4DB2-BD59-A6C34878D82A}">
+                    <a16:rowId xmlns:a16="http://schemas.microsoft.com/office/drawing/2014/main" val="10001"/>
+                  </a:ext>
+                </a:extLst>
               </a:tr>
               <a:tr h="722385">
                 <a:tc>
@@ -13920,6 +14143,11 @@
                     </a:solidFill>
                   </a:tcPr>
                 </a:tc>
+                <a:extLst>
+                  <a:ext uri="{0D108BD9-81ED-4DB2-BD59-A6C34878D82A}">
+                    <a16:rowId xmlns:a16="http://schemas.microsoft.com/office/drawing/2014/main" val="10002"/>
+                  </a:ext>
+                </a:extLst>
               </a:tr>
               <a:tr h="722385">
                 <a:tc>
@@ -14276,6 +14504,11 @@
                     </a:solidFill>
                   </a:tcPr>
                 </a:tc>
+                <a:extLst>
+                  <a:ext uri="{0D108BD9-81ED-4DB2-BD59-A6C34878D82A}">
+                    <a16:rowId xmlns:a16="http://schemas.microsoft.com/office/drawing/2014/main" val="10003"/>
+                  </a:ext>
+                </a:extLst>
               </a:tr>
               <a:tr h="722385">
                 <a:tc>
@@ -14632,6 +14865,11 @@
                     </a:solidFill>
                   </a:tcPr>
                 </a:tc>
+                <a:extLst>
+                  <a:ext uri="{0D108BD9-81ED-4DB2-BD59-A6C34878D82A}">
+                    <a16:rowId xmlns:a16="http://schemas.microsoft.com/office/drawing/2014/main" val="10004"/>
+                  </a:ext>
+                </a:extLst>
               </a:tr>
               <a:tr h="722385">
                 <a:tc>
@@ -14988,6 +15226,11 @@
                     </a:solidFill>
                   </a:tcPr>
                 </a:tc>
+                <a:extLst>
+                  <a:ext uri="{0D108BD9-81ED-4DB2-BD59-A6C34878D82A}">
+                    <a16:rowId xmlns:a16="http://schemas.microsoft.com/office/drawing/2014/main" val="10005"/>
+                  </a:ext>
+                </a:extLst>
               </a:tr>
               <a:tr h="722385">
                 <a:tc>
@@ -15344,6 +15587,11 @@
                     </a:solidFill>
                   </a:tcPr>
                 </a:tc>
+                <a:extLst>
+                  <a:ext uri="{0D108BD9-81ED-4DB2-BD59-A6C34878D82A}">
+                    <a16:rowId xmlns:a16="http://schemas.microsoft.com/office/drawing/2014/main" val="10006"/>
+                  </a:ext>
+                </a:extLst>
               </a:tr>
             </a:tbl>
           </a:graphicData>
@@ -15352,20 +15600,13 @@
     </p:spTree>
     <p:extLst>
       <p:ext uri="{BB962C8B-B14F-4D97-AF65-F5344CB8AC3E}">
-        <p14:creationId xmlns:p14="http://schemas.microsoft.com/office/powerpoint/2010/main" xmlns="" val="2794430881"/>
+        <p14:creationId xmlns:p14="http://schemas.microsoft.com/office/powerpoint/2010/main" val="2794430881"/>
       </p:ext>
     </p:extLst>
   </p:cSld>
   <p:clrMapOvr>
     <a:masterClrMapping/>
   </p:clrMapOvr>
-  <p:timing>
-    <p:tnLst>
-      <p:par>
-        <p:cTn id="1" dur="indefinite" restart="never" nodeType="tmRoot"/>
-      </p:par>
-    </p:tnLst>
-  </p:timing>
 </p:sld>
 </file>
 
@@ -15422,7 +15663,7 @@
           <a:p>
             <a:pPr algn="l"/>
             <a:r>
-              <a:rPr lang="de-DE" dirty="0" smtClean="0"/>
+              <a:rPr lang="de-DE" dirty="0"/>
               <a:t>SMA EMA Z Test METRICS</a:t>
             </a:r>
             <a:endParaRPr lang="en-US" dirty="0"/>
@@ -15446,12 +15687,48 @@
             <a:tbl>
               <a:tblPr/>
               <a:tblGrid>
-                <a:gridCol w="1845747"/>
-                <a:gridCol w="2173045"/>
-                <a:gridCol w="1845747"/>
-                <a:gridCol w="1845747"/>
-                <a:gridCol w="1845747"/>
-                <a:gridCol w="1845747"/>
+                <a:gridCol w="1845747">
+                  <a:extLst>
+                    <a:ext uri="{9D8B030D-6E8A-4147-A177-3AD203B41FA5}">
+                      <a16:colId xmlns:a16="http://schemas.microsoft.com/office/drawing/2014/main" val="20000"/>
+                    </a:ext>
+                  </a:extLst>
+                </a:gridCol>
+                <a:gridCol w="2173045">
+                  <a:extLst>
+                    <a:ext uri="{9D8B030D-6E8A-4147-A177-3AD203B41FA5}">
+                      <a16:colId xmlns:a16="http://schemas.microsoft.com/office/drawing/2014/main" val="20001"/>
+                    </a:ext>
+                  </a:extLst>
+                </a:gridCol>
+                <a:gridCol w="1845747">
+                  <a:extLst>
+                    <a:ext uri="{9D8B030D-6E8A-4147-A177-3AD203B41FA5}">
+                      <a16:colId xmlns:a16="http://schemas.microsoft.com/office/drawing/2014/main" val="20002"/>
+                    </a:ext>
+                  </a:extLst>
+                </a:gridCol>
+                <a:gridCol w="1845747">
+                  <a:extLst>
+                    <a:ext uri="{9D8B030D-6E8A-4147-A177-3AD203B41FA5}">
+                      <a16:colId xmlns:a16="http://schemas.microsoft.com/office/drawing/2014/main" val="20003"/>
+                    </a:ext>
+                  </a:extLst>
+                </a:gridCol>
+                <a:gridCol w="1845747">
+                  <a:extLst>
+                    <a:ext uri="{9D8B030D-6E8A-4147-A177-3AD203B41FA5}">
+                      <a16:colId xmlns:a16="http://schemas.microsoft.com/office/drawing/2014/main" val="20004"/>
+                    </a:ext>
+                  </a:extLst>
+                </a:gridCol>
+                <a:gridCol w="1845747">
+                  <a:extLst>
+                    <a:ext uri="{9D8B030D-6E8A-4147-A177-3AD203B41FA5}">
+                      <a16:colId xmlns:a16="http://schemas.microsoft.com/office/drawing/2014/main" val="20005"/>
+                    </a:ext>
+                  </a:extLst>
+                </a:gridCol>
               </a:tblGrid>
               <a:tr h="567720">
                 <a:tc>
@@ -15808,6 +16085,11 @@
                     </a:solidFill>
                   </a:tcPr>
                 </a:tc>
+                <a:extLst>
+                  <a:ext uri="{0D108BD9-81ED-4DB2-BD59-A6C34878D82A}">
+                    <a16:rowId xmlns:a16="http://schemas.microsoft.com/office/drawing/2014/main" val="10000"/>
+                  </a:ext>
+                </a:extLst>
               </a:tr>
               <a:tr h="847213">
                 <a:tc>
@@ -16164,6 +16446,11 @@
                     </a:solidFill>
                   </a:tcPr>
                 </a:tc>
+                <a:extLst>
+                  <a:ext uri="{0D108BD9-81ED-4DB2-BD59-A6C34878D82A}">
+                    <a16:rowId xmlns:a16="http://schemas.microsoft.com/office/drawing/2014/main" val="10001"/>
+                  </a:ext>
+                </a:extLst>
               </a:tr>
               <a:tr h="847213">
                 <a:tc>
@@ -16520,6 +16807,11 @@
                     </a:solidFill>
                   </a:tcPr>
                 </a:tc>
+                <a:extLst>
+                  <a:ext uri="{0D108BD9-81ED-4DB2-BD59-A6C34878D82A}">
+                    <a16:rowId xmlns:a16="http://schemas.microsoft.com/office/drawing/2014/main" val="10002"/>
+                  </a:ext>
+                </a:extLst>
               </a:tr>
               <a:tr h="1126706">
                 <a:tc>
@@ -16876,6 +17168,11 @@
                     </a:solidFill>
                   </a:tcPr>
                 </a:tc>
+                <a:extLst>
+                  <a:ext uri="{0D108BD9-81ED-4DB2-BD59-A6C34878D82A}">
+                    <a16:rowId xmlns:a16="http://schemas.microsoft.com/office/drawing/2014/main" val="10003"/>
+                  </a:ext>
+                </a:extLst>
               </a:tr>
               <a:tr h="1126706">
                 <a:tc>
@@ -17232,6 +17529,11 @@
                     </a:solidFill>
                   </a:tcPr>
                 </a:tc>
+                <a:extLst>
+                  <a:ext uri="{0D108BD9-81ED-4DB2-BD59-A6C34878D82A}">
+                    <a16:rowId xmlns:a16="http://schemas.microsoft.com/office/drawing/2014/main" val="10004"/>
+                  </a:ext>
+                </a:extLst>
               </a:tr>
             </a:tbl>
           </a:graphicData>
@@ -17240,20 +17542,13 @@
     </p:spTree>
     <p:extLst>
       <p:ext uri="{BB962C8B-B14F-4D97-AF65-F5344CB8AC3E}">
-        <p14:creationId xmlns:p14="http://schemas.microsoft.com/office/powerpoint/2010/main" xmlns="" val="2794430881"/>
+        <p14:creationId xmlns:p14="http://schemas.microsoft.com/office/powerpoint/2010/main" val="2794430881"/>
       </p:ext>
     </p:extLst>
   </p:cSld>
   <p:clrMapOvr>
     <a:masterClrMapping/>
   </p:clrMapOvr>
-  <p:timing>
-    <p:tnLst>
-      <p:par>
-        <p:cTn id="1" dur="indefinite" restart="never" nodeType="tmRoot"/>
-      </p:par>
-    </p:tnLst>
-  </p:timing>
 </p:sld>
 </file>
 
@@ -17310,7 +17605,7 @@
           <a:p>
             <a:pPr algn="l"/>
             <a:r>
-              <a:rPr lang="de-DE" dirty="0" smtClean="0"/>
+              <a:rPr lang="de-DE" dirty="0"/>
               <a:t>CLASSIFICATION MODELS METRICS</a:t>
             </a:r>
             <a:endParaRPr lang="en-US" dirty="0"/>
@@ -17334,12 +17629,48 @@
             <a:tbl>
               <a:tblPr/>
               <a:tblGrid>
-                <a:gridCol w="2345107"/>
-                <a:gridCol w="1995312"/>
-                <a:gridCol w="1694784"/>
-                <a:gridCol w="1694784"/>
-                <a:gridCol w="1694784"/>
-                <a:gridCol w="1694784"/>
+                <a:gridCol w="2345107">
+                  <a:extLst>
+                    <a:ext uri="{9D8B030D-6E8A-4147-A177-3AD203B41FA5}">
+                      <a16:colId xmlns:a16="http://schemas.microsoft.com/office/drawing/2014/main" val="20000"/>
+                    </a:ext>
+                  </a:extLst>
+                </a:gridCol>
+                <a:gridCol w="1995312">
+                  <a:extLst>
+                    <a:ext uri="{9D8B030D-6E8A-4147-A177-3AD203B41FA5}">
+                      <a16:colId xmlns:a16="http://schemas.microsoft.com/office/drawing/2014/main" val="20001"/>
+                    </a:ext>
+                  </a:extLst>
+                </a:gridCol>
+                <a:gridCol w="1694784">
+                  <a:extLst>
+                    <a:ext uri="{9D8B030D-6E8A-4147-A177-3AD203B41FA5}">
+                      <a16:colId xmlns:a16="http://schemas.microsoft.com/office/drawing/2014/main" val="20002"/>
+                    </a:ext>
+                  </a:extLst>
+                </a:gridCol>
+                <a:gridCol w="1694784">
+                  <a:extLst>
+                    <a:ext uri="{9D8B030D-6E8A-4147-A177-3AD203B41FA5}">
+                      <a16:colId xmlns:a16="http://schemas.microsoft.com/office/drawing/2014/main" val="20003"/>
+                    </a:ext>
+                  </a:extLst>
+                </a:gridCol>
+                <a:gridCol w="1694784">
+                  <a:extLst>
+                    <a:ext uri="{9D8B030D-6E8A-4147-A177-3AD203B41FA5}">
+                      <a16:colId xmlns:a16="http://schemas.microsoft.com/office/drawing/2014/main" val="20004"/>
+                    </a:ext>
+                  </a:extLst>
+                </a:gridCol>
+                <a:gridCol w="1694784">
+                  <a:extLst>
+                    <a:ext uri="{9D8B030D-6E8A-4147-A177-3AD203B41FA5}">
+                      <a16:colId xmlns:a16="http://schemas.microsoft.com/office/drawing/2014/main" val="20005"/>
+                    </a:ext>
+                  </a:extLst>
+                </a:gridCol>
               </a:tblGrid>
               <a:tr h="759323">
                 <a:tc>
@@ -17696,6 +18027,11 @@
                     </a:solidFill>
                   </a:tcPr>
                 </a:tc>
+                <a:extLst>
+                  <a:ext uri="{0D108BD9-81ED-4DB2-BD59-A6C34878D82A}">
+                    <a16:rowId xmlns:a16="http://schemas.microsoft.com/office/drawing/2014/main" val="10000"/>
+                  </a:ext>
+                </a:extLst>
               </a:tr>
               <a:tr h="1131712">
                 <a:tc>
@@ -17764,14 +18100,64 @@
                     <a:p>
                       <a:pPr algn="l" fontAlgn="b"/>
                       <a:r>
-                        <a:rPr lang="en-US" sz="1600" b="1" i="0" u="none" strike="noStrike" dirty="0" smtClean="0">
+                        <a:rPr lang="en-US" sz="1600" b="1" i="0" u="none" strike="noStrike" dirty="0">
                           <a:solidFill>
                             <a:srgbClr val="000000"/>
                           </a:solidFill>
                           <a:latin typeface="Arial Black" pitchFamily="34" charset="0"/>
                         </a:rPr>
-                        <a:t>AutoKeras </a:t>
-                      </a:r>
+                        <a:t>AutoKeras Classification Model</a:t>
+                      </a:r>
+                    </a:p>
+                  </a:txBody>
+                  <a:tcPr marL="9525" marR="9525" marT="9525" marB="0" anchor="b">
+                    <a:lnL w="6350" cap="flat" cmpd="sng" algn="ctr">
+                      <a:solidFill>
+                        <a:srgbClr val="000000"/>
+                      </a:solidFill>
+                      <a:prstDash val="solid"/>
+                      <a:round/>
+                      <a:headEnd type="none" w="med" len="med"/>
+                      <a:tailEnd type="none" w="med" len="med"/>
+                    </a:lnL>
+                    <a:lnR w="6350" cap="flat" cmpd="sng" algn="ctr">
+                      <a:solidFill>
+                        <a:srgbClr val="000000"/>
+                      </a:solidFill>
+                      <a:prstDash val="solid"/>
+                      <a:round/>
+                      <a:headEnd type="none" w="med" len="med"/>
+                      <a:tailEnd type="none" w="med" len="med"/>
+                    </a:lnR>
+                    <a:lnT w="6350" cap="flat" cmpd="sng" algn="ctr">
+                      <a:solidFill>
+                        <a:srgbClr val="000000"/>
+                      </a:solidFill>
+                      <a:prstDash val="solid"/>
+                      <a:round/>
+                      <a:headEnd type="none" w="med" len="med"/>
+                      <a:tailEnd type="none" w="med" len="med"/>
+                    </a:lnT>
+                    <a:lnB w="6350" cap="flat" cmpd="sng" algn="ctr">
+                      <a:solidFill>
+                        <a:srgbClr val="000000"/>
+                      </a:solidFill>
+                      <a:prstDash val="solid"/>
+                      <a:round/>
+                      <a:headEnd type="none" w="med" len="med"/>
+                      <a:tailEnd type="none" w="med" len="med"/>
+                    </a:lnB>
+                    <a:solidFill>
+                      <a:srgbClr val="8DB4E3"/>
+                    </a:solidFill>
+                  </a:tcPr>
+                </a:tc>
+                <a:tc>
+                  <a:txBody>
+                    <a:bodyPr/>
+                    <a:lstStyle/>
+                    <a:p>
+                      <a:pPr algn="r" fontAlgn="b"/>
                       <a:r>
                         <a:rPr lang="en-US" sz="1600" b="1" i="0" u="none" strike="noStrike" dirty="0">
                           <a:solidFill>
@@ -17779,7 +18165,7 @@
                           </a:solidFill>
                           <a:latin typeface="Arial Black" pitchFamily="34" charset="0"/>
                         </a:rPr>
-                        <a:t>Classification Model</a:t>
+                        <a:t>1061</a:t>
                       </a:r>
                     </a:p>
                   </a:txBody>
@@ -17832,13 +18218,13 @@
                     <a:p>
                       <a:pPr algn="r" fontAlgn="b"/>
                       <a:r>
-                        <a:rPr lang="en-US" sz="1600" b="1" i="0" u="none" strike="noStrike" dirty="0">
+                        <a:rPr lang="en-US" sz="1600" b="1" i="0" u="none" strike="noStrike">
                           <a:solidFill>
                             <a:srgbClr val="000000"/>
                           </a:solidFill>
                           <a:latin typeface="Arial Black" pitchFamily="34" charset="0"/>
                         </a:rPr>
-                        <a:t>1061</a:t>
+                        <a:t>901</a:t>
                       </a:r>
                     </a:p>
                   </a:txBody>
@@ -17897,7 +18283,7 @@
                           </a:solidFill>
                           <a:latin typeface="Arial Black" pitchFamily="34" charset="0"/>
                         </a:rPr>
-                        <a:t>901</a:t>
+                        <a:t>160</a:t>
                       </a:r>
                     </a:p>
                   </a:txBody>
@@ -17956,7 +18342,7 @@
                           </a:solidFill>
                           <a:latin typeface="Arial Black" pitchFamily="34" charset="0"/>
                         </a:rPr>
-                        <a:t>160</a:t>
+                        <a:t>84.92</a:t>
                       </a:r>
                     </a:p>
                   </a:txBody>
@@ -18002,65 +18388,11 @@
                     </a:solidFill>
                   </a:tcPr>
                 </a:tc>
-                <a:tc>
-                  <a:txBody>
-                    <a:bodyPr/>
-                    <a:lstStyle/>
-                    <a:p>
-                      <a:pPr algn="r" fontAlgn="b"/>
-                      <a:r>
-                        <a:rPr lang="en-US" sz="1600" b="1" i="0" u="none" strike="noStrike">
-                          <a:solidFill>
-                            <a:srgbClr val="000000"/>
-                          </a:solidFill>
-                          <a:latin typeface="Arial Black" pitchFamily="34" charset="0"/>
-                        </a:rPr>
-                        <a:t>84.92</a:t>
-                      </a:r>
-                    </a:p>
-                  </a:txBody>
-                  <a:tcPr marL="9525" marR="9525" marT="9525" marB="0" anchor="b">
-                    <a:lnL w="6350" cap="flat" cmpd="sng" algn="ctr">
-                      <a:solidFill>
-                        <a:srgbClr val="000000"/>
-                      </a:solidFill>
-                      <a:prstDash val="solid"/>
-                      <a:round/>
-                      <a:headEnd type="none" w="med" len="med"/>
-                      <a:tailEnd type="none" w="med" len="med"/>
-                    </a:lnL>
-                    <a:lnR w="6350" cap="flat" cmpd="sng" algn="ctr">
-                      <a:solidFill>
-                        <a:srgbClr val="000000"/>
-                      </a:solidFill>
-                      <a:prstDash val="solid"/>
-                      <a:round/>
-                      <a:headEnd type="none" w="med" len="med"/>
-                      <a:tailEnd type="none" w="med" len="med"/>
-                    </a:lnR>
-                    <a:lnT w="6350" cap="flat" cmpd="sng" algn="ctr">
-                      <a:solidFill>
-                        <a:srgbClr val="000000"/>
-                      </a:solidFill>
-                      <a:prstDash val="solid"/>
-                      <a:round/>
-                      <a:headEnd type="none" w="med" len="med"/>
-                      <a:tailEnd type="none" w="med" len="med"/>
-                    </a:lnT>
-                    <a:lnB w="6350" cap="flat" cmpd="sng" algn="ctr">
-                      <a:solidFill>
-                        <a:srgbClr val="000000"/>
-                      </a:solidFill>
-                      <a:prstDash val="solid"/>
-                      <a:round/>
-                      <a:headEnd type="none" w="med" len="med"/>
-                      <a:tailEnd type="none" w="med" len="med"/>
-                    </a:lnB>
-                    <a:solidFill>
-                      <a:srgbClr val="8DB4E3"/>
-                    </a:solidFill>
-                  </a:tcPr>
-                </a:tc>
+                <a:extLst>
+                  <a:ext uri="{0D108BD9-81ED-4DB2-BD59-A6C34878D82A}">
+                    <a16:rowId xmlns:a16="http://schemas.microsoft.com/office/drawing/2014/main" val="10001"/>
+                  </a:ext>
+                </a:extLst>
               </a:tr>
               <a:tr h="1131712">
                 <a:tc>
@@ -18070,7 +18402,7 @@
                     <a:p>
                       <a:pPr algn="l" fontAlgn="b"/>
                       <a:r>
-                        <a:rPr lang="en-US" sz="1600" b="1" i="0" u="none" strike="noStrike" dirty="0" smtClean="0">
+                        <a:rPr lang="en-US" sz="1600" b="1" i="0" u="none" strike="noStrike" dirty="0">
                           <a:solidFill>
                             <a:srgbClr val="000000"/>
                           </a:solidFill>
@@ -18078,12 +18410,6 @@
                         </a:rPr>
                         <a:t>K-neighbors Classifier</a:t>
                       </a:r>
-                      <a:endParaRPr lang="en-US" sz="1600" b="1" i="0" u="none" strike="noStrike" dirty="0">
-                        <a:solidFill>
-                          <a:srgbClr val="000000"/>
-                        </a:solidFill>
-                        <a:latin typeface="Arial Black" pitchFamily="34" charset="0"/>
-                      </a:endParaRPr>
                     </a:p>
                   </a:txBody>
                   <a:tcPr marL="9525" marR="9525" marT="9525" marB="0" anchor="b">
@@ -18423,6 +18749,11 @@
                     </a:solidFill>
                   </a:tcPr>
                 </a:tc>
+                <a:extLst>
+                  <a:ext uri="{0D108BD9-81ED-4DB2-BD59-A6C34878D82A}">
+                    <a16:rowId xmlns:a16="http://schemas.microsoft.com/office/drawing/2014/main" val="10002"/>
+                  </a:ext>
+                </a:extLst>
               </a:tr>
               <a:tr h="1504099">
                 <a:tc>
@@ -18432,7 +18763,7 @@
                     <a:p>
                       <a:pPr algn="l" fontAlgn="b"/>
                       <a:r>
-                        <a:rPr lang="en-US" sz="1600" b="1" i="0" u="none" strike="noStrike" dirty="0" smtClean="0">
+                        <a:rPr lang="en-US" sz="1600" b="1" i="0" u="none" strike="noStrike" dirty="0">
                           <a:solidFill>
                             <a:srgbClr val="000000"/>
                           </a:solidFill>
@@ -18440,12 +18771,6 @@
                         </a:rPr>
                         <a:t>Logistic Regression</a:t>
                       </a:r>
-                      <a:endParaRPr lang="en-US" sz="1600" b="1" i="0" u="none" strike="noStrike" dirty="0">
-                        <a:solidFill>
-                          <a:srgbClr val="000000"/>
-                        </a:solidFill>
-                        <a:latin typeface="Arial Black" pitchFamily="34" charset="0"/>
-                      </a:endParaRPr>
                     </a:p>
                   </a:txBody>
                   <a:tcPr marL="9525" marR="9525" marT="9525" marB="0" anchor="b">
@@ -18785,6 +19110,11 @@
                     </a:solidFill>
                   </a:tcPr>
                 </a:tc>
+                <a:extLst>
+                  <a:ext uri="{0D108BD9-81ED-4DB2-BD59-A6C34878D82A}">
+                    <a16:rowId xmlns:a16="http://schemas.microsoft.com/office/drawing/2014/main" val="10003"/>
+                  </a:ext>
+                </a:extLst>
               </a:tr>
             </a:tbl>
           </a:graphicData>
@@ -18793,20 +19123,13 @@
     </p:spTree>
     <p:extLst>
       <p:ext uri="{BB962C8B-B14F-4D97-AF65-F5344CB8AC3E}">
-        <p14:creationId xmlns:p14="http://schemas.microsoft.com/office/powerpoint/2010/main" xmlns="" val="2794430881"/>
+        <p14:creationId xmlns:p14="http://schemas.microsoft.com/office/powerpoint/2010/main" val="2794430881"/>
       </p:ext>
     </p:extLst>
   </p:cSld>
   <p:clrMapOvr>
     <a:masterClrMapping/>
   </p:clrMapOvr>
-  <p:timing>
-    <p:tnLst>
-      <p:par>
-        <p:cTn id="1" dur="indefinite" restart="never" nodeType="tmRoot"/>
-      </p:par>
-    </p:tnLst>
-  </p:timing>
 </p:sld>
 </file>
 
@@ -18865,7 +19188,7 @@
           <a:p>
             <a:pPr algn="l"/>
             <a:r>
-              <a:rPr lang="de-DE" sz="2800" dirty="0" smtClean="0"/>
+              <a:rPr lang="de-DE" sz="2800" dirty="0"/>
               <a:t>CLASSIFICATION  METRICS COMPARISON</a:t>
             </a:r>
             <a:endParaRPr lang="en-US" sz="2800" dirty="0"/>
@@ -18889,9 +19212,27 @@
             <a:tbl>
               <a:tblPr/>
               <a:tblGrid>
-                <a:gridCol w="2894831"/>
-                <a:gridCol w="2463039"/>
-                <a:gridCol w="5400441"/>
+                <a:gridCol w="2894831">
+                  <a:extLst>
+                    <a:ext uri="{9D8B030D-6E8A-4147-A177-3AD203B41FA5}">
+                      <a16:colId xmlns:a16="http://schemas.microsoft.com/office/drawing/2014/main" val="20000"/>
+                    </a:ext>
+                  </a:extLst>
+                </a:gridCol>
+                <a:gridCol w="2463039">
+                  <a:extLst>
+                    <a:ext uri="{9D8B030D-6E8A-4147-A177-3AD203B41FA5}">
+                      <a16:colId xmlns:a16="http://schemas.microsoft.com/office/drawing/2014/main" val="20001"/>
+                    </a:ext>
+                  </a:extLst>
+                </a:gridCol>
+                <a:gridCol w="5400441">
+                  <a:extLst>
+                    <a:ext uri="{9D8B030D-6E8A-4147-A177-3AD203B41FA5}">
+                      <a16:colId xmlns:a16="http://schemas.microsoft.com/office/drawing/2014/main" val="20002"/>
+                    </a:ext>
+                  </a:extLst>
+                </a:gridCol>
               </a:tblGrid>
               <a:tr h="678946">
                 <a:tc>
@@ -19071,6 +19412,11 @@
                     </a:solidFill>
                   </a:tcPr>
                 </a:tc>
+                <a:extLst>
+                  <a:ext uri="{0D108BD9-81ED-4DB2-BD59-A6C34878D82A}">
+                    <a16:rowId xmlns:a16="http://schemas.microsoft.com/office/drawing/2014/main" val="10000"/>
+                  </a:ext>
+                </a:extLst>
               </a:tr>
               <a:tr h="678946">
                 <a:tc>
@@ -19253,6 +19599,11 @@
                     </a:solidFill>
                   </a:tcPr>
                 </a:tc>
+                <a:extLst>
+                  <a:ext uri="{0D108BD9-81ED-4DB2-BD59-A6C34878D82A}">
+                    <a16:rowId xmlns:a16="http://schemas.microsoft.com/office/drawing/2014/main" val="10001"/>
+                  </a:ext>
+                </a:extLst>
               </a:tr>
               <a:tr h="678946">
                 <a:tc>
@@ -19435,6 +19786,11 @@
                     </a:solidFill>
                   </a:tcPr>
                 </a:tc>
+                <a:extLst>
+                  <a:ext uri="{0D108BD9-81ED-4DB2-BD59-A6C34878D82A}">
+                    <a16:rowId xmlns:a16="http://schemas.microsoft.com/office/drawing/2014/main" val="10002"/>
+                  </a:ext>
+                </a:extLst>
               </a:tr>
               <a:tr h="678946">
                 <a:tc>
@@ -19617,6 +19973,11 @@
                     </a:solidFill>
                   </a:tcPr>
                 </a:tc>
+                <a:extLst>
+                  <a:ext uri="{0D108BD9-81ED-4DB2-BD59-A6C34878D82A}">
+                    <a16:rowId xmlns:a16="http://schemas.microsoft.com/office/drawing/2014/main" val="10003"/>
+                  </a:ext>
+                </a:extLst>
               </a:tr>
               <a:tr h="678946">
                 <a:tc>
@@ -19799,6 +20160,11 @@
                     </a:solidFill>
                   </a:tcPr>
                 </a:tc>
+                <a:extLst>
+                  <a:ext uri="{0D108BD9-81ED-4DB2-BD59-A6C34878D82A}">
+                    <a16:rowId xmlns:a16="http://schemas.microsoft.com/office/drawing/2014/main" val="10004"/>
+                  </a:ext>
+                </a:extLst>
               </a:tr>
               <a:tr h="678946">
                 <a:tc>
@@ -19981,6 +20347,11 @@
                     </a:solidFill>
                   </a:tcPr>
                 </a:tc>
+                <a:extLst>
+                  <a:ext uri="{0D108BD9-81ED-4DB2-BD59-A6C34878D82A}">
+                    <a16:rowId xmlns:a16="http://schemas.microsoft.com/office/drawing/2014/main" val="10005"/>
+                  </a:ext>
+                </a:extLst>
               </a:tr>
               <a:tr h="678946">
                 <a:tc>
@@ -20163,6 +20534,11 @@
                     </a:solidFill>
                   </a:tcPr>
                 </a:tc>
+                <a:extLst>
+                  <a:ext uri="{0D108BD9-81ED-4DB2-BD59-A6C34878D82A}">
+                    <a16:rowId xmlns:a16="http://schemas.microsoft.com/office/drawing/2014/main" val="10006"/>
+                  </a:ext>
+                </a:extLst>
               </a:tr>
             </a:tbl>
           </a:graphicData>
@@ -20171,20 +20547,13 @@
     </p:spTree>
     <p:extLst>
       <p:ext uri="{BB962C8B-B14F-4D97-AF65-F5344CB8AC3E}">
-        <p14:creationId xmlns:p14="http://schemas.microsoft.com/office/powerpoint/2010/main" xmlns="" val="2794430881"/>
+        <p14:creationId xmlns:p14="http://schemas.microsoft.com/office/powerpoint/2010/main" val="2794430881"/>
       </p:ext>
     </p:extLst>
   </p:cSld>
   <p:clrMapOvr>
     <a:masterClrMapping/>
   </p:clrMapOvr>
-  <p:timing>
-    <p:tnLst>
-      <p:par>
-        <p:cTn id="1" dur="indefinite" restart="never" nodeType="tmRoot"/>
-      </p:par>
-    </p:tnLst>
-  </p:timing>
 </p:sld>
 </file>
 
@@ -20243,7 +20612,7 @@
           <a:p>
             <a:pPr algn="l"/>
             <a:r>
-              <a:rPr lang="de-DE" sz="2800" dirty="0" smtClean="0"/>
+              <a:rPr lang="de-DE" sz="2800" dirty="0"/>
               <a:t>CLASSIFICATION  METRICS COMPARISON</a:t>
             </a:r>
             <a:endParaRPr lang="en-US" sz="2800" dirty="0"/>
@@ -20267,9 +20636,27 @@
             <a:tbl>
               <a:tblPr/>
               <a:tblGrid>
-                <a:gridCol w="2925208"/>
-                <a:gridCol w="2488884"/>
-                <a:gridCol w="5457109"/>
+                <a:gridCol w="2925208">
+                  <a:extLst>
+                    <a:ext uri="{9D8B030D-6E8A-4147-A177-3AD203B41FA5}">
+                      <a16:colId xmlns:a16="http://schemas.microsoft.com/office/drawing/2014/main" val="20000"/>
+                    </a:ext>
+                  </a:extLst>
+                </a:gridCol>
+                <a:gridCol w="2488884">
+                  <a:extLst>
+                    <a:ext uri="{9D8B030D-6E8A-4147-A177-3AD203B41FA5}">
+                      <a16:colId xmlns:a16="http://schemas.microsoft.com/office/drawing/2014/main" val="20001"/>
+                    </a:ext>
+                  </a:extLst>
+                </a:gridCol>
+                <a:gridCol w="5457109">
+                  <a:extLst>
+                    <a:ext uri="{9D8B030D-6E8A-4147-A177-3AD203B41FA5}">
+                      <a16:colId xmlns:a16="http://schemas.microsoft.com/office/drawing/2014/main" val="20002"/>
+                    </a:ext>
+                  </a:extLst>
+                </a:gridCol>
               </a:tblGrid>
               <a:tr h="903111">
                 <a:tc>
@@ -20449,6 +20836,11 @@
                     </a:solidFill>
                   </a:tcPr>
                 </a:tc>
+                <a:extLst>
+                  <a:ext uri="{0D108BD9-81ED-4DB2-BD59-A6C34878D82A}">
+                    <a16:rowId xmlns:a16="http://schemas.microsoft.com/office/drawing/2014/main" val="10000"/>
+                  </a:ext>
+                </a:extLst>
               </a:tr>
               <a:tr h="903111">
                 <a:tc>
@@ -20631,6 +21023,11 @@
                     </a:solidFill>
                   </a:tcPr>
                 </a:tc>
+                <a:extLst>
+                  <a:ext uri="{0D108BD9-81ED-4DB2-BD59-A6C34878D82A}">
+                    <a16:rowId xmlns:a16="http://schemas.microsoft.com/office/drawing/2014/main" val="10001"/>
+                  </a:ext>
+                </a:extLst>
               </a:tr>
               <a:tr h="903111">
                 <a:tc>
@@ -20813,6 +21210,11 @@
                     </a:solidFill>
                   </a:tcPr>
                 </a:tc>
+                <a:extLst>
+                  <a:ext uri="{0D108BD9-81ED-4DB2-BD59-A6C34878D82A}">
+                    <a16:rowId xmlns:a16="http://schemas.microsoft.com/office/drawing/2014/main" val="10002"/>
+                  </a:ext>
+                </a:extLst>
               </a:tr>
               <a:tr h="903111">
                 <a:tc>
@@ -20995,6 +21397,11 @@
                     </a:solidFill>
                   </a:tcPr>
                 </a:tc>
+                <a:extLst>
+                  <a:ext uri="{0D108BD9-81ED-4DB2-BD59-A6C34878D82A}">
+                    <a16:rowId xmlns:a16="http://schemas.microsoft.com/office/drawing/2014/main" val="10003"/>
+                  </a:ext>
+                </a:extLst>
               </a:tr>
               <a:tr h="903111">
                 <a:tc>
@@ -21177,6 +21584,11 @@
                     </a:solidFill>
                   </a:tcPr>
                 </a:tc>
+                <a:extLst>
+                  <a:ext uri="{0D108BD9-81ED-4DB2-BD59-A6C34878D82A}">
+                    <a16:rowId xmlns:a16="http://schemas.microsoft.com/office/drawing/2014/main" val="10004"/>
+                  </a:ext>
+                </a:extLst>
               </a:tr>
             </a:tbl>
           </a:graphicData>
@@ -21185,20 +21597,13 @@
     </p:spTree>
     <p:extLst>
       <p:ext uri="{BB962C8B-B14F-4D97-AF65-F5344CB8AC3E}">
-        <p14:creationId xmlns:p14="http://schemas.microsoft.com/office/powerpoint/2010/main" xmlns="" val="2794430881"/>
+        <p14:creationId xmlns:p14="http://schemas.microsoft.com/office/powerpoint/2010/main" val="2794430881"/>
       </p:ext>
     </p:extLst>
   </p:cSld>
   <p:clrMapOvr>
     <a:masterClrMapping/>
   </p:clrMapOvr>
-  <p:timing>
-    <p:tnLst>
-      <p:par>
-        <p:cTn id="1" dur="indefinite" restart="never" nodeType="tmRoot"/>
-      </p:par>
-    </p:tnLst>
-  </p:timing>
 </p:sld>
 </file>
 
@@ -21257,7 +21662,7 @@
           <a:p>
             <a:pPr algn="l"/>
             <a:r>
-              <a:rPr lang="de-DE" sz="2800" dirty="0" smtClean="0"/>
+              <a:rPr lang="de-DE" sz="2800" dirty="0"/>
               <a:t>CLASSIFICATION  METRICS COMPARISON</a:t>
             </a:r>
             <a:endParaRPr lang="en-US" sz="2800" dirty="0"/>
@@ -21281,9 +21686,27 @@
             <a:tbl>
               <a:tblPr/>
               <a:tblGrid>
-                <a:gridCol w="2821929"/>
-                <a:gridCol w="2401010"/>
-                <a:gridCol w="5264437"/>
+                <a:gridCol w="2821929">
+                  <a:extLst>
+                    <a:ext uri="{9D8B030D-6E8A-4147-A177-3AD203B41FA5}">
+                      <a16:colId xmlns:a16="http://schemas.microsoft.com/office/drawing/2014/main" val="20000"/>
+                    </a:ext>
+                  </a:extLst>
+                </a:gridCol>
+                <a:gridCol w="2401010">
+                  <a:extLst>
+                    <a:ext uri="{9D8B030D-6E8A-4147-A177-3AD203B41FA5}">
+                      <a16:colId xmlns:a16="http://schemas.microsoft.com/office/drawing/2014/main" val="20001"/>
+                    </a:ext>
+                  </a:extLst>
+                </a:gridCol>
+                <a:gridCol w="5264437">
+                  <a:extLst>
+                    <a:ext uri="{9D8B030D-6E8A-4147-A177-3AD203B41FA5}">
+                      <a16:colId xmlns:a16="http://schemas.microsoft.com/office/drawing/2014/main" val="20002"/>
+                    </a:ext>
+                  </a:extLst>
+                </a:gridCol>
               </a:tblGrid>
               <a:tr h="1047045">
                 <a:tc>
@@ -21463,6 +21886,11 @@
                     </a:solidFill>
                   </a:tcPr>
                 </a:tc>
+                <a:extLst>
+                  <a:ext uri="{0D108BD9-81ED-4DB2-BD59-A6C34878D82A}">
+                    <a16:rowId xmlns:a16="http://schemas.microsoft.com/office/drawing/2014/main" val="10000"/>
+                  </a:ext>
+                </a:extLst>
               </a:tr>
               <a:tr h="1047045">
                 <a:tc>
@@ -21531,14 +21959,64 @@
                     <a:p>
                       <a:pPr algn="l" fontAlgn="b"/>
                       <a:r>
-                        <a:rPr lang="en-US" sz="1800" b="1" i="0" u="none" strike="noStrike" dirty="0" smtClean="0">
+                        <a:rPr lang="en-US" sz="1800" b="1" i="0" u="none" strike="noStrike" dirty="0">
                           <a:solidFill>
                             <a:srgbClr val="000000"/>
                           </a:solidFill>
                           <a:latin typeface="Calibri"/>
                         </a:rPr>
-                        <a:t>AutoKeras </a:t>
-                      </a:r>
+                        <a:t>AutoKeras Classification Model</a:t>
+                      </a:r>
+                    </a:p>
+                  </a:txBody>
+                  <a:tcPr marL="9525" marR="9525" marT="9525" marB="0" anchor="b">
+                    <a:lnL w="6350" cap="flat" cmpd="sng" algn="ctr">
+                      <a:solidFill>
+                        <a:srgbClr val="000000"/>
+                      </a:solidFill>
+                      <a:prstDash val="solid"/>
+                      <a:round/>
+                      <a:headEnd type="none" w="med" len="med"/>
+                      <a:tailEnd type="none" w="med" len="med"/>
+                    </a:lnL>
+                    <a:lnR w="6350" cap="flat" cmpd="sng" algn="ctr">
+                      <a:solidFill>
+                        <a:srgbClr val="000000"/>
+                      </a:solidFill>
+                      <a:prstDash val="solid"/>
+                      <a:round/>
+                      <a:headEnd type="none" w="med" len="med"/>
+                      <a:tailEnd type="none" w="med" len="med"/>
+                    </a:lnR>
+                    <a:lnT w="6350" cap="flat" cmpd="sng" algn="ctr">
+                      <a:solidFill>
+                        <a:srgbClr val="000000"/>
+                      </a:solidFill>
+                      <a:prstDash val="solid"/>
+                      <a:round/>
+                      <a:headEnd type="none" w="med" len="med"/>
+                      <a:tailEnd type="none" w="med" len="med"/>
+                    </a:lnT>
+                    <a:lnB w="6350" cap="flat" cmpd="sng" algn="ctr">
+                      <a:solidFill>
+                        <a:srgbClr val="000000"/>
+                      </a:solidFill>
+                      <a:prstDash val="solid"/>
+                      <a:round/>
+                      <a:headEnd type="none" w="med" len="med"/>
+                      <a:tailEnd type="none" w="med" len="med"/>
+                    </a:lnB>
+                    <a:solidFill>
+                      <a:srgbClr val="8DB4E3"/>
+                    </a:solidFill>
+                  </a:tcPr>
+                </a:tc>
+                <a:tc>
+                  <a:txBody>
+                    <a:bodyPr/>
+                    <a:lstStyle/>
+                    <a:p>
+                      <a:pPr algn="r" fontAlgn="b"/>
                       <a:r>
                         <a:rPr lang="en-US" sz="1800" b="1" i="0" u="none" strike="noStrike" dirty="0">
                           <a:solidFill>
@@ -21546,7 +22024,7 @@
                           </a:solidFill>
                           <a:latin typeface="Calibri"/>
                         </a:rPr>
-                        <a:t>Classification Model</a:t>
+                        <a:t>YES-84.92</a:t>
                       </a:r>
                     </a:p>
                   </a:txBody>
@@ -21588,75 +22066,15 @@
                       <a:tailEnd type="none" w="med" len="med"/>
                     </a:lnB>
                     <a:solidFill>
-                      <a:srgbClr val="8DB4E3"/>
-                    </a:solidFill>
-                  </a:tcPr>
-                </a:tc>
-                <a:tc>
-                  <a:txBody>
-                    <a:bodyPr/>
-                    <a:lstStyle/>
-                    <a:p>
-                      <a:pPr algn="r" fontAlgn="b"/>
-                      <a:r>
-                        <a:rPr lang="en-US" sz="1800" b="1" i="0" u="none" strike="noStrike" dirty="0" smtClean="0">
-                          <a:solidFill>
-                            <a:srgbClr val="000000"/>
-                          </a:solidFill>
-                          <a:latin typeface="Calibri"/>
-                        </a:rPr>
-                        <a:t>YES-84.92</a:t>
-                      </a:r>
-                      <a:endParaRPr lang="en-US" sz="1800" b="1" i="0" u="none" strike="noStrike" dirty="0">
-                        <a:solidFill>
-                          <a:srgbClr val="000000"/>
-                        </a:solidFill>
-                        <a:latin typeface="Calibri"/>
-                      </a:endParaRPr>
-                    </a:p>
-                  </a:txBody>
-                  <a:tcPr marL="9525" marR="9525" marT="9525" marB="0" anchor="b">
-                    <a:lnL w="6350" cap="flat" cmpd="sng" algn="ctr">
-                      <a:solidFill>
-                        <a:srgbClr val="000000"/>
-                      </a:solidFill>
-                      <a:prstDash val="solid"/>
-                      <a:round/>
-                      <a:headEnd type="none" w="med" len="med"/>
-                      <a:tailEnd type="none" w="med" len="med"/>
-                    </a:lnL>
-                    <a:lnR w="6350" cap="flat" cmpd="sng" algn="ctr">
-                      <a:solidFill>
-                        <a:srgbClr val="000000"/>
-                      </a:solidFill>
-                      <a:prstDash val="solid"/>
-                      <a:round/>
-                      <a:headEnd type="none" w="med" len="med"/>
-                      <a:tailEnd type="none" w="med" len="med"/>
-                    </a:lnR>
-                    <a:lnT w="6350" cap="flat" cmpd="sng" algn="ctr">
-                      <a:solidFill>
-                        <a:srgbClr val="000000"/>
-                      </a:solidFill>
-                      <a:prstDash val="solid"/>
-                      <a:round/>
-                      <a:headEnd type="none" w="med" len="med"/>
-                      <a:tailEnd type="none" w="med" len="med"/>
-                    </a:lnT>
-                    <a:lnB w="6350" cap="flat" cmpd="sng" algn="ctr">
-                      <a:solidFill>
-                        <a:srgbClr val="000000"/>
-                      </a:solidFill>
-                      <a:prstDash val="solid"/>
-                      <a:round/>
-                      <a:headEnd type="none" w="med" len="med"/>
-                      <a:tailEnd type="none" w="med" len="med"/>
-                    </a:lnB>
-                    <a:solidFill>
                       <a:srgbClr val="D7E4BC"/>
                     </a:solidFill>
                   </a:tcPr>
                 </a:tc>
+                <a:extLst>
+                  <a:ext uri="{0D108BD9-81ED-4DB2-BD59-A6C34878D82A}">
+                    <a16:rowId xmlns:a16="http://schemas.microsoft.com/office/drawing/2014/main" val="10001"/>
+                  </a:ext>
+                </a:extLst>
               </a:tr>
               <a:tr h="1047045">
                 <a:tc>
@@ -21666,7 +22084,7 @@
                     <a:p>
                       <a:pPr algn="l" fontAlgn="b"/>
                       <a:r>
-                        <a:rPr lang="en-US" sz="1800" b="1" i="0" u="none" strike="noStrike" dirty="0" smtClean="0">
+                        <a:rPr lang="en-US" sz="1800" b="1" i="0" u="none" strike="noStrike" dirty="0">
                           <a:solidFill>
                             <a:srgbClr val="000000"/>
                           </a:solidFill>
@@ -21674,12 +22092,6 @@
                         </a:rPr>
                         <a:t>K Neighbors Classifier</a:t>
                       </a:r>
-                      <a:endParaRPr lang="en-US" sz="1800" b="1" i="0" u="none" strike="noStrike" dirty="0">
-                        <a:solidFill>
-                          <a:srgbClr val="000000"/>
-                        </a:solidFill>
-                        <a:latin typeface="Calibri"/>
-                      </a:endParaRPr>
                     </a:p>
                   </a:txBody>
                   <a:tcPr marL="9525" marR="9525" marT="9525" marB="0" anchor="b">
@@ -21790,7 +22202,7 @@
                     <a:p>
                       <a:pPr algn="r" fontAlgn="b"/>
                       <a:r>
-                        <a:rPr lang="en-US" sz="1800" b="1" i="0" u="none" strike="noStrike" dirty="0" smtClean="0">
+                        <a:rPr lang="en-US" sz="1800" b="1" i="0" u="none" strike="noStrike" dirty="0">
                           <a:solidFill>
                             <a:srgbClr val="000000"/>
                           </a:solidFill>
@@ -21800,7 +22212,7 @@
                         <a:t>YES-74.0</a:t>
                       </a:r>
                       <a:r>
-                        <a:rPr lang="en-US" sz="1800" b="1" i="0" u="none" strike="noStrike" dirty="0" smtClean="0">
+                        <a:rPr lang="en-US" sz="1800" b="1" i="0" u="none" strike="noStrike" dirty="0">
                           <a:solidFill>
                             <a:srgbClr val="000000"/>
                           </a:solidFill>
@@ -21808,12 +22220,6 @@
                         </a:rPr>
                         <a:t>8</a:t>
                       </a:r>
-                      <a:endParaRPr lang="en-US" sz="1800" b="1" i="0" u="none" strike="noStrike" dirty="0">
-                        <a:solidFill>
-                          <a:srgbClr val="000000"/>
-                        </a:solidFill>
-                        <a:latin typeface="Courier New"/>
-                      </a:endParaRPr>
                     </a:p>
                   </a:txBody>
                   <a:tcPr marL="9525" marR="9525" marT="9525" marB="0" anchor="b">
@@ -21858,6 +22264,11 @@
                     </a:solidFill>
                   </a:tcPr>
                 </a:tc>
+                <a:extLst>
+                  <a:ext uri="{0D108BD9-81ED-4DB2-BD59-A6C34878D82A}">
+                    <a16:rowId xmlns:a16="http://schemas.microsoft.com/office/drawing/2014/main" val="10002"/>
+                  </a:ext>
+                </a:extLst>
               </a:tr>
               <a:tr h="1047045">
                 <a:tc>
@@ -21926,14 +22337,64 @@
                     <a:p>
                       <a:pPr algn="l" fontAlgn="b"/>
                       <a:r>
-                        <a:rPr lang="en-US" sz="1800" b="1" i="0" u="none" strike="noStrike" dirty="0" smtClean="0">
+                        <a:rPr lang="en-US" sz="1800" b="1" i="0" u="none" strike="noStrike" dirty="0">
                           <a:solidFill>
                             <a:srgbClr val="000000"/>
                           </a:solidFill>
                           <a:latin typeface="Calibri"/>
                         </a:rPr>
-                        <a:t>Logistic Regression </a:t>
-                      </a:r>
+                        <a:t>Logistic Regression Classification Model</a:t>
+                      </a:r>
+                    </a:p>
+                  </a:txBody>
+                  <a:tcPr marL="9525" marR="9525" marT="9525" marB="0" anchor="b">
+                    <a:lnL w="6350" cap="flat" cmpd="sng" algn="ctr">
+                      <a:solidFill>
+                        <a:srgbClr val="000000"/>
+                      </a:solidFill>
+                      <a:prstDash val="solid"/>
+                      <a:round/>
+                      <a:headEnd type="none" w="med" len="med"/>
+                      <a:tailEnd type="none" w="med" len="med"/>
+                    </a:lnL>
+                    <a:lnR w="6350" cap="flat" cmpd="sng" algn="ctr">
+                      <a:solidFill>
+                        <a:srgbClr val="000000"/>
+                      </a:solidFill>
+                      <a:prstDash val="solid"/>
+                      <a:round/>
+                      <a:headEnd type="none" w="med" len="med"/>
+                      <a:tailEnd type="none" w="med" len="med"/>
+                    </a:lnR>
+                    <a:lnT w="6350" cap="flat" cmpd="sng" algn="ctr">
+                      <a:solidFill>
+                        <a:srgbClr val="000000"/>
+                      </a:solidFill>
+                      <a:prstDash val="solid"/>
+                      <a:round/>
+                      <a:headEnd type="none" w="med" len="med"/>
+                      <a:tailEnd type="none" w="med" len="med"/>
+                    </a:lnT>
+                    <a:lnB w="6350" cap="flat" cmpd="sng" algn="ctr">
+                      <a:solidFill>
+                        <a:srgbClr val="000000"/>
+                      </a:solidFill>
+                      <a:prstDash val="solid"/>
+                      <a:round/>
+                      <a:headEnd type="none" w="med" len="med"/>
+                      <a:tailEnd type="none" w="med" len="med"/>
+                    </a:lnB>
+                    <a:solidFill>
+                      <a:srgbClr val="8DB4E3"/>
+                    </a:solidFill>
+                  </a:tcPr>
+                </a:tc>
+                <a:tc>
+                  <a:txBody>
+                    <a:bodyPr/>
+                    <a:lstStyle/>
+                    <a:p>
+                      <a:pPr algn="r" fontAlgn="b"/>
                       <a:r>
                         <a:rPr lang="en-US" sz="1800" b="1" i="0" u="none" strike="noStrike" dirty="0">
                           <a:solidFill>
@@ -21941,7 +22402,7 @@
                           </a:solidFill>
                           <a:latin typeface="Calibri"/>
                         </a:rPr>
-                        <a:t>Classification Model</a:t>
+                        <a:t>YES-90.10</a:t>
                       </a:r>
                     </a:p>
                   </a:txBody>
@@ -21983,75 +22444,15 @@
                       <a:tailEnd type="none" w="med" len="med"/>
                     </a:lnB>
                     <a:solidFill>
-                      <a:srgbClr val="8DB4E3"/>
-                    </a:solidFill>
-                  </a:tcPr>
-                </a:tc>
-                <a:tc>
-                  <a:txBody>
-                    <a:bodyPr/>
-                    <a:lstStyle/>
-                    <a:p>
-                      <a:pPr algn="r" fontAlgn="b"/>
-                      <a:r>
-                        <a:rPr lang="en-US" sz="1800" b="1" i="0" u="none" strike="noStrike" dirty="0" smtClean="0">
-                          <a:solidFill>
-                            <a:srgbClr val="000000"/>
-                          </a:solidFill>
-                          <a:latin typeface="Calibri"/>
-                        </a:rPr>
-                        <a:t>YES-90.10</a:t>
-                      </a:r>
-                      <a:endParaRPr lang="en-US" sz="1800" b="1" i="0" u="none" strike="noStrike" dirty="0">
-                        <a:solidFill>
-                          <a:srgbClr val="000000"/>
-                        </a:solidFill>
-                        <a:latin typeface="Calibri"/>
-                      </a:endParaRPr>
-                    </a:p>
-                  </a:txBody>
-                  <a:tcPr marL="9525" marR="9525" marT="9525" marB="0" anchor="b">
-                    <a:lnL w="6350" cap="flat" cmpd="sng" algn="ctr">
-                      <a:solidFill>
-                        <a:srgbClr val="000000"/>
-                      </a:solidFill>
-                      <a:prstDash val="solid"/>
-                      <a:round/>
-                      <a:headEnd type="none" w="med" len="med"/>
-                      <a:tailEnd type="none" w="med" len="med"/>
-                    </a:lnL>
-                    <a:lnR w="6350" cap="flat" cmpd="sng" algn="ctr">
-                      <a:solidFill>
-                        <a:srgbClr val="000000"/>
-                      </a:solidFill>
-                      <a:prstDash val="solid"/>
-                      <a:round/>
-                      <a:headEnd type="none" w="med" len="med"/>
-                      <a:tailEnd type="none" w="med" len="med"/>
-                    </a:lnR>
-                    <a:lnT w="6350" cap="flat" cmpd="sng" algn="ctr">
-                      <a:solidFill>
-                        <a:srgbClr val="000000"/>
-                      </a:solidFill>
-                      <a:prstDash val="solid"/>
-                      <a:round/>
-                      <a:headEnd type="none" w="med" len="med"/>
-                      <a:tailEnd type="none" w="med" len="med"/>
-                    </a:lnT>
-                    <a:lnB w="6350" cap="flat" cmpd="sng" algn="ctr">
-                      <a:solidFill>
-                        <a:srgbClr val="000000"/>
-                      </a:solidFill>
-                      <a:prstDash val="solid"/>
-                      <a:round/>
-                      <a:headEnd type="none" w="med" len="med"/>
-                      <a:tailEnd type="none" w="med" len="med"/>
-                    </a:lnB>
-                    <a:solidFill>
                       <a:srgbClr val="D7E4BC"/>
                     </a:solidFill>
                   </a:tcPr>
                 </a:tc>
+                <a:extLst>
+                  <a:ext uri="{0D108BD9-81ED-4DB2-BD59-A6C34878D82A}">
+                    <a16:rowId xmlns:a16="http://schemas.microsoft.com/office/drawing/2014/main" val="10003"/>
+                  </a:ext>
+                </a:extLst>
               </a:tr>
             </a:tbl>
           </a:graphicData>
@@ -22060,20 +22461,13 @@
     </p:spTree>
     <p:extLst>
       <p:ext uri="{BB962C8B-B14F-4D97-AF65-F5344CB8AC3E}">
-        <p14:creationId xmlns:p14="http://schemas.microsoft.com/office/powerpoint/2010/main" xmlns="" val="2794430881"/>
+        <p14:creationId xmlns:p14="http://schemas.microsoft.com/office/powerpoint/2010/main" val="2794430881"/>
       </p:ext>
     </p:extLst>
   </p:cSld>
   <p:clrMapOvr>
     <a:masterClrMapping/>
   </p:clrMapOvr>
-  <p:timing>
-    <p:tnLst>
-      <p:par>
-        <p:cTn id="1" dur="indefinite" restart="never" nodeType="tmRoot"/>
-      </p:par>
-    </p:tnLst>
-  </p:timing>
 </p:sld>
 </file>
 
@@ -22130,7 +22524,7 @@
           <a:p>
             <a:pPr algn="l"/>
             <a:r>
-              <a:rPr lang="de-DE" dirty="0" smtClean="0"/>
+              <a:rPr lang="de-DE" dirty="0"/>
               <a:t>ARIMA MODELS METRICS</a:t>
             </a:r>
             <a:endParaRPr lang="en-US" dirty="0"/>
@@ -22143,7 +22537,13 @@
           <p:cNvGraphicFramePr>
             <a:graphicFrameLocks noGrp="1"/>
           </p:cNvGraphicFramePr>
-          <p:nvPr/>
+          <p:nvPr>
+            <p:extLst>
+              <p:ext uri="{D42A27DB-BD31-4B8C-83A1-F6EECF244321}">
+                <p14:modId xmlns:p14="http://schemas.microsoft.com/office/powerpoint/2010/main" val="2309628807"/>
+              </p:ext>
+            </p:extLst>
+          </p:nvPr>
         </p:nvGraphicFramePr>
         <p:xfrm>
           <a:off x="417689" y="1456266"/>
@@ -22154,13 +22554,55 @@
             <a:tbl>
               <a:tblPr/>
               <a:tblGrid>
-                <a:gridCol w="1816706"/>
-                <a:gridCol w="2370115"/>
-                <a:gridCol w="1454127"/>
-                <a:gridCol w="1541910"/>
-                <a:gridCol w="1312915"/>
-                <a:gridCol w="1541910"/>
-                <a:gridCol w="1206050"/>
+                <a:gridCol w="1816706">
+                  <a:extLst>
+                    <a:ext uri="{9D8B030D-6E8A-4147-A177-3AD203B41FA5}">
+                      <a16:colId xmlns:a16="http://schemas.microsoft.com/office/drawing/2014/main" val="20000"/>
+                    </a:ext>
+                  </a:extLst>
+                </a:gridCol>
+                <a:gridCol w="2370115">
+                  <a:extLst>
+                    <a:ext uri="{9D8B030D-6E8A-4147-A177-3AD203B41FA5}">
+                      <a16:colId xmlns:a16="http://schemas.microsoft.com/office/drawing/2014/main" val="20001"/>
+                    </a:ext>
+                  </a:extLst>
+                </a:gridCol>
+                <a:gridCol w="1454127">
+                  <a:extLst>
+                    <a:ext uri="{9D8B030D-6E8A-4147-A177-3AD203B41FA5}">
+                      <a16:colId xmlns:a16="http://schemas.microsoft.com/office/drawing/2014/main" val="20002"/>
+                    </a:ext>
+                  </a:extLst>
+                </a:gridCol>
+                <a:gridCol w="1541910">
+                  <a:extLst>
+                    <a:ext uri="{9D8B030D-6E8A-4147-A177-3AD203B41FA5}">
+                      <a16:colId xmlns:a16="http://schemas.microsoft.com/office/drawing/2014/main" val="20003"/>
+                    </a:ext>
+                  </a:extLst>
+                </a:gridCol>
+                <a:gridCol w="1312915">
+                  <a:extLst>
+                    <a:ext uri="{9D8B030D-6E8A-4147-A177-3AD203B41FA5}">
+                      <a16:colId xmlns:a16="http://schemas.microsoft.com/office/drawing/2014/main" val="20004"/>
+                    </a:ext>
+                  </a:extLst>
+                </a:gridCol>
+                <a:gridCol w="1541910">
+                  <a:extLst>
+                    <a:ext uri="{9D8B030D-6E8A-4147-A177-3AD203B41FA5}">
+                      <a16:colId xmlns:a16="http://schemas.microsoft.com/office/drawing/2014/main" val="20005"/>
+                    </a:ext>
+                  </a:extLst>
+                </a:gridCol>
+                <a:gridCol w="1206050">
+                  <a:extLst>
+                    <a:ext uri="{9D8B030D-6E8A-4147-A177-3AD203B41FA5}">
+                      <a16:colId xmlns:a16="http://schemas.microsoft.com/office/drawing/2014/main" val="20006"/>
+                    </a:ext>
+                  </a:extLst>
+                </a:gridCol>
               </a:tblGrid>
               <a:tr h="732345">
                 <a:tc>
@@ -22486,7 +22928,7 @@
                           </a:solidFill>
                           <a:latin typeface="Calibri"/>
                         </a:rPr>
-                        <a:t>Mean Absolute Percentage Error FOR TEST DATA</a:t>
+                        <a:t>Median Absolute Error FOR TEST DATA</a:t>
                       </a:r>
                     </a:p>
                   </a:txBody>
@@ -22597,6 +23039,11 @@
                     </a:solidFill>
                   </a:tcPr>
                 </a:tc>
+                <a:extLst>
+                  <a:ext uri="{0D108BD9-81ED-4DB2-BD59-A6C34878D82A}">
+                    <a16:rowId xmlns:a16="http://schemas.microsoft.com/office/drawing/2014/main" val="10000"/>
+                  </a:ext>
+                </a:extLst>
               </a:tr>
               <a:tr h="610289">
                 <a:tc>
@@ -23018,6 +23465,11 @@
                     </a:solidFill>
                   </a:tcPr>
                 </a:tc>
+                <a:extLst>
+                  <a:ext uri="{0D108BD9-81ED-4DB2-BD59-A6C34878D82A}">
+                    <a16:rowId xmlns:a16="http://schemas.microsoft.com/office/drawing/2014/main" val="10001"/>
+                  </a:ext>
+                </a:extLst>
               </a:tr>
               <a:tr h="676011">
                 <a:tc>
@@ -23433,6 +23885,11 @@
                     </a:solidFill>
                   </a:tcPr>
                 </a:tc>
+                <a:extLst>
+                  <a:ext uri="{0D108BD9-81ED-4DB2-BD59-A6C34878D82A}">
+                    <a16:rowId xmlns:a16="http://schemas.microsoft.com/office/drawing/2014/main" val="10002"/>
+                  </a:ext>
+                </a:extLst>
               </a:tr>
               <a:tr h="610289">
                 <a:tc>
@@ -23848,6 +24305,11 @@
                     </a:solidFill>
                   </a:tcPr>
                 </a:tc>
+                <a:extLst>
+                  <a:ext uri="{0D108BD9-81ED-4DB2-BD59-A6C34878D82A}">
+                    <a16:rowId xmlns:a16="http://schemas.microsoft.com/office/drawing/2014/main" val="10003"/>
+                  </a:ext>
+                </a:extLst>
               </a:tr>
               <a:tr h="610289">
                 <a:tc>
@@ -24277,6 +24739,11 @@
                     </a:solidFill>
                   </a:tcPr>
                 </a:tc>
+                <a:extLst>
+                  <a:ext uri="{0D108BD9-81ED-4DB2-BD59-A6C34878D82A}">
+                    <a16:rowId xmlns:a16="http://schemas.microsoft.com/office/drawing/2014/main" val="10004"/>
+                  </a:ext>
+                </a:extLst>
               </a:tr>
               <a:tr h="610289">
                 <a:tc>
@@ -24639,15 +25106,6 @@
                     <a:lstStyle/>
                     <a:p>
                       <a:pPr algn="r" fontAlgn="b"/>
-                      <a:r>
-                        <a:rPr lang="en-US" sz="1200" b="1" i="0" u="none" strike="noStrike" dirty="0">
-                          <a:solidFill>
-                            <a:srgbClr val="000000"/>
-                          </a:solidFill>
-                          <a:latin typeface="Arial Black" pitchFamily="34" charset="0"/>
-                        </a:rPr>
-                        <a:t/>
-                      </a:r>
                       <a:br>
                         <a:rPr lang="en-US" sz="1200" b="1" i="0" u="none" strike="noStrike" dirty="0">
                           <a:solidFill>
@@ -24709,6 +25167,11 @@
                     </a:solidFill>
                   </a:tcPr>
                 </a:tc>
+                <a:extLst>
+                  <a:ext uri="{0D108BD9-81ED-4DB2-BD59-A6C34878D82A}">
+                    <a16:rowId xmlns:a16="http://schemas.microsoft.com/office/drawing/2014/main" val="10005"/>
+                  </a:ext>
+                </a:extLst>
               </a:tr>
             </a:tbl>
           </a:graphicData>
@@ -24751,46 +25214,22 @@
           <a:p>
             <a:pPr fontAlgn="base"/>
             <a:r>
-              <a:rPr lang="en-US" dirty="0" smtClean="0"/>
-              <a:t>The p-value is obtained in ADF Test is greater than significance level of 0.05 and the ADF statistic is higher than any of the critical values. Clearly, there is no reason to reject the null hypothesis. So, the time series is non-stationary and </a:t>
+              <a:rPr lang="en-US" dirty="0"/>
+              <a:t>The p-value is obtained in ADF Test is greater than significance level of 0.05 and the ADF statistic is higher than any of the critical values. Clearly, there is no reason to reject the null hypothesis. So, the time series is non-stationary and Dataset under consideration is not applicable for Building ARIMA Models.</a:t>
             </a:r>
-            <a:r>
-              <a:rPr lang="en-US" dirty="0" smtClean="0"/>
-              <a:t>Dataset </a:t>
-            </a:r>
-            <a:r>
-              <a:rPr lang="en-US" dirty="0" smtClean="0"/>
-              <a:t>u</a:t>
-            </a:r>
-            <a:r>
-              <a:rPr lang="en-US" dirty="0" smtClean="0"/>
-              <a:t>nder consideration is not </a:t>
-            </a:r>
-            <a:r>
-              <a:rPr lang="en-US" dirty="0" smtClean="0"/>
-              <a:t>applicable for Building ARIMA Models.</a:t>
-            </a:r>
-            <a:endParaRPr lang="en-US" dirty="0"/>
           </a:p>
         </p:txBody>
       </p:sp>
     </p:spTree>
     <p:extLst>
       <p:ext uri="{BB962C8B-B14F-4D97-AF65-F5344CB8AC3E}">
-        <p14:creationId xmlns:p14="http://schemas.microsoft.com/office/powerpoint/2010/main" xmlns="" val="2794430881"/>
+        <p14:creationId xmlns:p14="http://schemas.microsoft.com/office/powerpoint/2010/main" val="2794430881"/>
       </p:ext>
     </p:extLst>
   </p:cSld>
   <p:clrMapOvr>
     <a:masterClrMapping/>
   </p:clrMapOvr>
-  <p:timing>
-    <p:tnLst>
-      <p:par>
-        <p:cTn id="1" dur="indefinite" restart="never" nodeType="tmRoot"/>
-      </p:par>
-    </p:tnLst>
-  </p:timing>
 </p:sld>
 </file>
 
@@ -24847,7 +25286,7 @@
           <a:p>
             <a:pPr algn="l"/>
             <a:r>
-              <a:rPr lang="de-DE" dirty="0" smtClean="0"/>
+              <a:rPr lang="de-DE" dirty="0"/>
               <a:t>REGRESSION  MODELS METRICS</a:t>
             </a:r>
             <a:endParaRPr lang="en-US" dirty="0"/>
@@ -24860,7 +25299,13 @@
           <p:cNvGraphicFramePr>
             <a:graphicFrameLocks noGrp="1"/>
           </p:cNvGraphicFramePr>
-          <p:nvPr/>
+          <p:nvPr>
+            <p:extLst>
+              <p:ext uri="{D42A27DB-BD31-4B8C-83A1-F6EECF244321}">
+                <p14:modId xmlns:p14="http://schemas.microsoft.com/office/powerpoint/2010/main" val="3828216757"/>
+              </p:ext>
+            </p:extLst>
+          </p:nvPr>
         </p:nvGraphicFramePr>
         <p:xfrm>
           <a:off x="395113" y="1580446"/>
@@ -24871,13 +25316,55 @@
             <a:tbl>
               <a:tblPr/>
               <a:tblGrid>
-                <a:gridCol w="1814882"/>
-                <a:gridCol w="2367735"/>
-                <a:gridCol w="1452668"/>
-                <a:gridCol w="1540362"/>
-                <a:gridCol w="1311596"/>
-                <a:gridCol w="1540362"/>
-                <a:gridCol w="1204838"/>
+                <a:gridCol w="1814882">
+                  <a:extLst>
+                    <a:ext uri="{9D8B030D-6E8A-4147-A177-3AD203B41FA5}">
+                      <a16:colId xmlns:a16="http://schemas.microsoft.com/office/drawing/2014/main" val="20000"/>
+                    </a:ext>
+                  </a:extLst>
+                </a:gridCol>
+                <a:gridCol w="2367735">
+                  <a:extLst>
+                    <a:ext uri="{9D8B030D-6E8A-4147-A177-3AD203B41FA5}">
+                      <a16:colId xmlns:a16="http://schemas.microsoft.com/office/drawing/2014/main" val="20001"/>
+                    </a:ext>
+                  </a:extLst>
+                </a:gridCol>
+                <a:gridCol w="1452668">
+                  <a:extLst>
+                    <a:ext uri="{9D8B030D-6E8A-4147-A177-3AD203B41FA5}">
+                      <a16:colId xmlns:a16="http://schemas.microsoft.com/office/drawing/2014/main" val="20002"/>
+                    </a:ext>
+                  </a:extLst>
+                </a:gridCol>
+                <a:gridCol w="1540362">
+                  <a:extLst>
+                    <a:ext uri="{9D8B030D-6E8A-4147-A177-3AD203B41FA5}">
+                      <a16:colId xmlns:a16="http://schemas.microsoft.com/office/drawing/2014/main" val="20003"/>
+                    </a:ext>
+                  </a:extLst>
+                </a:gridCol>
+                <a:gridCol w="1311596">
+                  <a:extLst>
+                    <a:ext uri="{9D8B030D-6E8A-4147-A177-3AD203B41FA5}">
+                      <a16:colId xmlns:a16="http://schemas.microsoft.com/office/drawing/2014/main" val="20004"/>
+                    </a:ext>
+                  </a:extLst>
+                </a:gridCol>
+                <a:gridCol w="1540362">
+                  <a:extLst>
+                    <a:ext uri="{9D8B030D-6E8A-4147-A177-3AD203B41FA5}">
+                      <a16:colId xmlns:a16="http://schemas.microsoft.com/office/drawing/2014/main" val="20005"/>
+                    </a:ext>
+                  </a:extLst>
+                </a:gridCol>
+                <a:gridCol w="1204838">
+                  <a:extLst>
+                    <a:ext uri="{9D8B030D-6E8A-4147-A177-3AD203B41FA5}">
+                      <a16:colId xmlns:a16="http://schemas.microsoft.com/office/drawing/2014/main" val="20006"/>
+                    </a:ext>
+                  </a:extLst>
+                </a:gridCol>
               </a:tblGrid>
               <a:tr h="1051534">
                 <a:tc>
@@ -25203,7 +25690,7 @@
                           </a:solidFill>
                           <a:latin typeface="Calibri"/>
                         </a:rPr>
-                        <a:t>Mean Absolute Percentage Error FOR TEST DATA</a:t>
+                        <a:t>Median  Absolute  Error FOR TEST DATA</a:t>
                       </a:r>
                     </a:p>
                   </a:txBody>
@@ -25314,6 +25801,11 @@
                     </a:solidFill>
                   </a:tcPr>
                 </a:tc>
+                <a:extLst>
+                  <a:ext uri="{0D108BD9-81ED-4DB2-BD59-A6C34878D82A}">
+                    <a16:rowId xmlns:a16="http://schemas.microsoft.com/office/drawing/2014/main" val="10000"/>
+                  </a:ext>
+                </a:extLst>
               </a:tr>
               <a:tr h="876280">
                 <a:tc>
@@ -25729,6 +26221,11 @@
                     </a:solidFill>
                   </a:tcPr>
                 </a:tc>
+                <a:extLst>
+                  <a:ext uri="{0D108BD9-81ED-4DB2-BD59-A6C34878D82A}">
+                    <a16:rowId xmlns:a16="http://schemas.microsoft.com/office/drawing/2014/main" val="10001"/>
+                  </a:ext>
+                </a:extLst>
               </a:tr>
               <a:tr h="970648">
                 <a:tc>
@@ -26144,6 +26641,11 @@
                     </a:solidFill>
                   </a:tcPr>
                 </a:tc>
+                <a:extLst>
+                  <a:ext uri="{0D108BD9-81ED-4DB2-BD59-A6C34878D82A}">
+                    <a16:rowId xmlns:a16="http://schemas.microsoft.com/office/drawing/2014/main" val="10002"/>
+                  </a:ext>
+                </a:extLst>
               </a:tr>
               <a:tr h="876280">
                 <a:tc>
@@ -26559,6 +27061,11 @@
                     </a:solidFill>
                   </a:tcPr>
                 </a:tc>
+                <a:extLst>
+                  <a:ext uri="{0D108BD9-81ED-4DB2-BD59-A6C34878D82A}">
+                    <a16:rowId xmlns:a16="http://schemas.microsoft.com/office/drawing/2014/main" val="10003"/>
+                  </a:ext>
+                </a:extLst>
               </a:tr>
               <a:tr h="876280">
                 <a:tc>
@@ -26988,6 +27495,11 @@
                     </a:solidFill>
                   </a:tcPr>
                 </a:tc>
+                <a:extLst>
+                  <a:ext uri="{0D108BD9-81ED-4DB2-BD59-A6C34878D82A}">
+                    <a16:rowId xmlns:a16="http://schemas.microsoft.com/office/drawing/2014/main" val="10004"/>
+                  </a:ext>
+                </a:extLst>
               </a:tr>
             </a:tbl>
           </a:graphicData>
@@ -26996,20 +27508,13 @@
     </p:spTree>
     <p:extLst>
       <p:ext uri="{BB962C8B-B14F-4D97-AF65-F5344CB8AC3E}">
-        <p14:creationId xmlns:p14="http://schemas.microsoft.com/office/powerpoint/2010/main" xmlns="" val="2794430881"/>
+        <p14:creationId xmlns:p14="http://schemas.microsoft.com/office/powerpoint/2010/main" val="2794430881"/>
       </p:ext>
     </p:extLst>
   </p:cSld>
   <p:clrMapOvr>
     <a:masterClrMapping/>
   </p:clrMapOvr>
-  <p:timing>
-    <p:tnLst>
-      <p:par>
-        <p:cTn id="1" dur="indefinite" restart="never" nodeType="tmRoot"/>
-      </p:par>
-    </p:tnLst>
-  </p:timing>
 </p:sld>
 </file>
 
@@ -27208,7 +27713,7 @@
   <a:extraClrSchemeLst/>
   <a:extLst>
     <a:ext uri="{05A4C25C-085E-4340-85A3-A5531E510DB2}">
-      <thm15:themeFamily xmlns="" xmlns:thm15="http://schemas.microsoft.com/office/thememl/2012/main" name="Office Theme" id="{62F939B6-93AF-4DB8-9C6B-D6C7DFDC589F}" vid="{4A3C46E8-61CC-4603-A589-7422A47A8E4A}"/>
+      <thm15:themeFamily xmlns:thm15="http://schemas.microsoft.com/office/thememl/2012/main" name="Office Theme" id="{62F939B6-93AF-4DB8-9C6B-D6C7DFDC589F}" vid="{4A3C46E8-61CC-4603-A589-7422A47A8E4A}"/>
     </a:ext>
   </a:extLst>
 </a:theme>
@@ -27469,7 +27974,7 @@
   <a:extraClrSchemeLst/>
   <a:extLst>
     <a:ext uri="{05A4C25C-085E-4340-85A3-A5531E510DB2}">
-      <thm15:themeFamily xmlns="" xmlns:thm15="http://schemas.microsoft.com/office/thememl/2012/main" name="Office Theme" id="{62F939B6-93AF-4DB8-9C6B-D6C7DFDC589F}" vid="{4A3C46E8-61CC-4603-A589-7422A47A8E4A}"/>
+      <thm15:themeFamily xmlns:thm15="http://schemas.microsoft.com/office/thememl/2012/main" name="Office Theme" id="{62F939B6-93AF-4DB8-9C6B-D6C7DFDC589F}" vid="{4A3C46E8-61CC-4603-A589-7422A47A8E4A}"/>
     </a:ext>
   </a:extLst>
 </a:theme>
